--- a/Presentations/Presentation03.pptx
+++ b/Presentations/Presentation03.pptx
@@ -5,32 +5,33 @@
     <p:sldMasterId id="2147483659" r:id="rId1"/>
   </p:sldMasterIdLst>
   <p:notesMasterIdLst>
-    <p:notesMasterId r:id="rId8"/>
+    <p:notesMasterId r:id="rId9"/>
   </p:notesMasterIdLst>
   <p:sldIdLst>
     <p:sldId id="256" r:id="rId2"/>
     <p:sldId id="258" r:id="rId3"/>
     <p:sldId id="259" r:id="rId4"/>
-    <p:sldId id="260" r:id="rId5"/>
-    <p:sldId id="261" r:id="rId6"/>
-    <p:sldId id="262" r:id="rId7"/>
+    <p:sldId id="263" r:id="rId5"/>
+    <p:sldId id="260" r:id="rId6"/>
+    <p:sldId id="261" r:id="rId7"/>
+    <p:sldId id="262" r:id="rId8"/>
   </p:sldIdLst>
   <p:sldSz cx="9144000" cy="5143500" type="screen16x9"/>
   <p:notesSz cx="6858000" cy="9144000"/>
   <p:embeddedFontLst>
     <p:embeddedFont>
       <p:font typeface="Lato" panose="020B0604020202020204" charset="0"/>
-      <p:regular r:id="rId9"/>
-      <p:bold r:id="rId10"/>
-      <p:italic r:id="rId11"/>
-      <p:boldItalic r:id="rId12"/>
+      <p:regular r:id="rId10"/>
+      <p:bold r:id="rId11"/>
+      <p:italic r:id="rId12"/>
+      <p:boldItalic r:id="rId13"/>
     </p:embeddedFont>
     <p:embeddedFont>
       <p:font typeface="Raleway" panose="020B0604020202020204" charset="0"/>
-      <p:regular r:id="rId13"/>
-      <p:bold r:id="rId14"/>
-      <p:italic r:id="rId15"/>
-      <p:boldItalic r:id="rId16"/>
+      <p:regular r:id="rId14"/>
+      <p:bold r:id="rId15"/>
+      <p:italic r:id="rId16"/>
+      <p:boldItalic r:id="rId17"/>
     </p:embeddedFont>
   </p:embeddedFontLst>
   <p:defaultTextStyle>
@@ -11151,22 +11152,6 @@
               <a:sym typeface="Arial"/>
             </a:endParaRPr>
           </a:p>
-          <a:p>
-            <a:pPr marL="0" lvl="0" indent="0" algn="l" rtl="0">
-              <a:lnSpc>
-                <a:spcPct val="100000"/>
-              </a:lnSpc>
-              <a:spcBef>
-                <a:spcPts val="0"/>
-              </a:spcBef>
-              <a:spcAft>
-                <a:spcPts val="0"/>
-              </a:spcAft>
-              <a:buSzPts val="4200"/>
-              <a:buNone/>
-            </a:pPr>
-            <a:endParaRPr sz="3500" dirty="0"/>
-          </a:p>
         </p:txBody>
       </p:sp>
       <p:sp>
@@ -11617,7 +11602,7 @@
           <a:p>
             <a:r>
               <a:rPr lang="en-US" dirty="0"/>
-              <a:t>What is the main scientific question (or questions) that you are trying to answer.  Be specific!</a:t>
+              <a:t>What is the main scientific question (or questions) that you are trying to answer? Be specific!</a:t>
             </a:r>
           </a:p>
         </p:txBody>
@@ -11631,6 +11616,114 @@
 </file>
 
 <file path=ppt/slides/slide4.xml><?xml version="1.0" encoding="utf-8"?>
+<p:sld xmlns:a="http://schemas.openxmlformats.org/drawingml/2006/main" xmlns:r="http://schemas.openxmlformats.org/officeDocument/2006/relationships" xmlns:p="http://schemas.openxmlformats.org/presentationml/2006/main">
+  <p:cSld>
+    <p:spTree>
+      <p:nvGrpSpPr>
+        <p:cNvPr id="1" name=""/>
+        <p:cNvGrpSpPr/>
+        <p:nvPr/>
+      </p:nvGrpSpPr>
+      <p:grpSpPr>
+        <a:xfrm>
+          <a:off x="0" y="0"/>
+          <a:ext cx="0" cy="0"/>
+          <a:chOff x="0" y="0"/>
+          <a:chExt cx="0" cy="0"/>
+        </a:xfrm>
+      </p:grpSpPr>
+      <p:sp>
+        <p:nvSpPr>
+          <p:cNvPr id="2" name="Title 1">
+            <a:extLst>
+              <a:ext uri="{FF2B5EF4-FFF2-40B4-BE49-F238E27FC236}">
+                <a16:creationId xmlns:a16="http://schemas.microsoft.com/office/drawing/2014/main" id="{DC4D1CB5-2AC5-467E-8763-2A62CD0CFB6E}"/>
+              </a:ext>
+            </a:extLst>
+          </p:cNvPr>
+          <p:cNvSpPr>
+            <a:spLocks noGrp="1"/>
+          </p:cNvSpPr>
+          <p:nvPr>
+            <p:ph type="title"/>
+          </p:nvPr>
+        </p:nvSpPr>
+        <p:spPr/>
+        <p:txBody>
+          <a:bodyPr/>
+          <a:lstStyle/>
+          <a:p>
+            <a:r>
+              <a:rPr lang="en-US" dirty="0"/>
+              <a:t>Initial Exploration - Clustering</a:t>
+            </a:r>
+          </a:p>
+        </p:txBody>
+      </p:sp>
+      <p:sp>
+        <p:nvSpPr>
+          <p:cNvPr id="3" name="Text Placeholder 2">
+            <a:extLst>
+              <a:ext uri="{FF2B5EF4-FFF2-40B4-BE49-F238E27FC236}">
+                <a16:creationId xmlns:a16="http://schemas.microsoft.com/office/drawing/2014/main" id="{48CCE442-8B3B-4F7A-9832-34510CFA81C9}"/>
+              </a:ext>
+            </a:extLst>
+          </p:cNvPr>
+          <p:cNvSpPr>
+            <a:spLocks noGrp="1"/>
+          </p:cNvSpPr>
+          <p:nvPr>
+            <p:ph type="body" idx="1"/>
+          </p:nvPr>
+        </p:nvSpPr>
+        <p:spPr/>
+        <p:txBody>
+          <a:bodyPr/>
+          <a:lstStyle/>
+          <a:p>
+            <a:endParaRPr lang="en-US"/>
+          </a:p>
+        </p:txBody>
+      </p:sp>
+      <p:sp>
+        <p:nvSpPr>
+          <p:cNvPr id="4" name="Text Placeholder 3">
+            <a:extLst>
+              <a:ext uri="{FF2B5EF4-FFF2-40B4-BE49-F238E27FC236}">
+                <a16:creationId xmlns:a16="http://schemas.microsoft.com/office/drawing/2014/main" id="{8183FF7E-385C-4E7D-AF05-828445D7DCCB}"/>
+              </a:ext>
+            </a:extLst>
+          </p:cNvPr>
+          <p:cNvSpPr>
+            <a:spLocks noGrp="1"/>
+          </p:cNvSpPr>
+          <p:nvPr>
+            <p:ph type="body" idx="2"/>
+          </p:nvPr>
+        </p:nvSpPr>
+        <p:spPr/>
+        <p:txBody>
+          <a:bodyPr/>
+          <a:lstStyle/>
+          <a:p>
+            <a:endParaRPr lang="en-US"/>
+          </a:p>
+        </p:txBody>
+      </p:sp>
+    </p:spTree>
+    <p:extLst>
+      <p:ext uri="{BB962C8B-B14F-4D97-AF65-F5344CB8AC3E}">
+        <p14:creationId xmlns:p14="http://schemas.microsoft.com/office/powerpoint/2010/main" val="2058888472"/>
+      </p:ext>
+    </p:extLst>
+  </p:cSld>
+  <p:clrMapOvr>
+    <a:masterClrMapping/>
+  </p:clrMapOvr>
+</p:sld>
+</file>
+
+<file path=ppt/slides/slide5.xml><?xml version="1.0" encoding="utf-8"?>
 <p:sld xmlns:a="http://schemas.openxmlformats.org/drawingml/2006/main" xmlns:r="http://schemas.openxmlformats.org/officeDocument/2006/relationships" xmlns:p="http://schemas.openxmlformats.org/presentationml/2006/main">
   <p:cSld>
     <p:spTree>
@@ -11691,7 +11784,12 @@
             <p:ph type="body" idx="1"/>
           </p:nvPr>
         </p:nvSpPr>
-        <p:spPr/>
+        <p:spPr>
+          <a:xfrm>
+            <a:off x="729325" y="2078874"/>
+            <a:ext cx="3774300" cy="2466999"/>
+          </a:xfrm>
+        </p:spPr>
         <p:txBody>
           <a:bodyPr/>
           <a:lstStyle/>
@@ -11741,7 +11839,7 @@
 </p:sld>
 </file>
 
-<file path=ppt/slides/slide5.xml><?xml version="1.0" encoding="utf-8"?>
+<file path=ppt/slides/slide6.xml><?xml version="1.0" encoding="utf-8"?>
 <p:sld xmlns:a="http://schemas.openxmlformats.org/drawingml/2006/main" xmlns:r="http://schemas.openxmlformats.org/officeDocument/2006/relationships" xmlns:p="http://schemas.openxmlformats.org/presentationml/2006/main">
   <p:cSld>
     <p:spTree>
@@ -11849,7 +11947,7 @@
 </p:sld>
 </file>
 
-<file path=ppt/slides/slide6.xml><?xml version="1.0" encoding="utf-8"?>
+<file path=ppt/slides/slide7.xml><?xml version="1.0" encoding="utf-8"?>
 <p:sld xmlns:a="http://schemas.openxmlformats.org/drawingml/2006/main" xmlns:r="http://schemas.openxmlformats.org/officeDocument/2006/relationships" xmlns:p="http://schemas.openxmlformats.org/presentationml/2006/main">
   <p:cSld>
     <p:spTree>

--- a/Presentations/Presentation03.pptx
+++ b/Presentations/Presentation03.pptx
@@ -5,7 +5,7 @@
     <p:sldMasterId id="2147483659" r:id="rId1"/>
   </p:sldMasterIdLst>
   <p:notesMasterIdLst>
-    <p:notesMasterId r:id="rId9"/>
+    <p:notesMasterId r:id="rId10"/>
   </p:notesMasterIdLst>
   <p:sldIdLst>
     <p:sldId id="256" r:id="rId2"/>
@@ -15,23 +15,24 @@
     <p:sldId id="260" r:id="rId6"/>
     <p:sldId id="261" r:id="rId7"/>
     <p:sldId id="262" r:id="rId8"/>
+    <p:sldId id="264" r:id="rId9"/>
   </p:sldIdLst>
   <p:sldSz cx="9144000" cy="5143500" type="screen16x9"/>
   <p:notesSz cx="6858000" cy="9144000"/>
   <p:embeddedFontLst>
     <p:embeddedFont>
       <p:font typeface="Lato" panose="020B0604020202020204" charset="0"/>
-      <p:regular r:id="rId10"/>
-      <p:bold r:id="rId11"/>
-      <p:italic r:id="rId12"/>
-      <p:boldItalic r:id="rId13"/>
+      <p:regular r:id="rId11"/>
+      <p:bold r:id="rId12"/>
+      <p:italic r:id="rId13"/>
+      <p:boldItalic r:id="rId14"/>
     </p:embeddedFont>
     <p:embeddedFont>
       <p:font typeface="Raleway" panose="020B0604020202020204" charset="0"/>
-      <p:regular r:id="rId14"/>
-      <p:bold r:id="rId15"/>
-      <p:italic r:id="rId16"/>
-      <p:boldItalic r:id="rId17"/>
+      <p:regular r:id="rId15"/>
+      <p:bold r:id="rId16"/>
+      <p:italic r:id="rId17"/>
+      <p:boldItalic r:id="rId18"/>
     </p:embeddedFont>
   </p:embeddedFontLst>
   <p:defaultTextStyle>
@@ -12008,6 +12009,219 @@
             <p:ph type="body" idx="1"/>
           </p:nvPr>
         </p:nvSpPr>
+        <p:spPr>
+          <a:xfrm>
+            <a:off x="616527" y="2078875"/>
+            <a:ext cx="3247818" cy="1437409"/>
+          </a:xfrm>
+        </p:spPr>
+        <p:txBody>
+          <a:bodyPr/>
+          <a:lstStyle/>
+          <a:p>
+            <a:r>
+              <a:rPr lang="en-US" dirty="0"/>
+              <a:t>The time component of our data is relatively negligible and any trends observed are due to seasonal patterns explained by month alone.</a:t>
+            </a:r>
+          </a:p>
+        </p:txBody>
+      </p:sp>
+      <p:pic>
+        <p:nvPicPr>
+          <p:cNvPr id="8" name="Picture 7">
+            <a:extLst>
+              <a:ext uri="{FF2B5EF4-FFF2-40B4-BE49-F238E27FC236}">
+                <a16:creationId xmlns:a16="http://schemas.microsoft.com/office/drawing/2014/main" id="{A18019E9-83DF-4688-8ECA-FA4D70A37D94}"/>
+              </a:ext>
+            </a:extLst>
+          </p:cNvPr>
+          <p:cNvPicPr>
+            <a:picLocks/>
+          </p:cNvPicPr>
+          <p:nvPr/>
+        </p:nvPicPr>
+        <p:blipFill>
+          <a:blip r:embed="rId2"/>
+          <a:stretch>
+            <a:fillRect/>
+          </a:stretch>
+        </p:blipFill>
+        <p:spPr>
+          <a:xfrm>
+            <a:off x="567913" y="3654175"/>
+            <a:ext cx="1920240" cy="1371600"/>
+          </a:xfrm>
+          <a:prstGeom prst="rect">
+            <a:avLst/>
+          </a:prstGeom>
+        </p:spPr>
+      </p:pic>
+      <p:pic>
+        <p:nvPicPr>
+          <p:cNvPr id="15" name="Picture 14">
+            <a:extLst>
+              <a:ext uri="{FF2B5EF4-FFF2-40B4-BE49-F238E27FC236}">
+                <a16:creationId xmlns:a16="http://schemas.microsoft.com/office/drawing/2014/main" id="{2D039A81-B75A-431D-8FFE-C94807C27A58}"/>
+              </a:ext>
+            </a:extLst>
+          </p:cNvPr>
+          <p:cNvPicPr>
+            <a:picLocks/>
+          </p:cNvPicPr>
+          <p:nvPr/>
+        </p:nvPicPr>
+        <p:blipFill>
+          <a:blip r:embed="rId3"/>
+          <a:stretch>
+            <a:fillRect/>
+          </a:stretch>
+        </p:blipFill>
+        <p:spPr>
+          <a:xfrm>
+            <a:off x="4661159" y="3654175"/>
+            <a:ext cx="1920240" cy="1371600"/>
+          </a:xfrm>
+          <a:prstGeom prst="rect">
+            <a:avLst/>
+          </a:prstGeom>
+        </p:spPr>
+      </p:pic>
+      <p:pic>
+        <p:nvPicPr>
+          <p:cNvPr id="16" name="Picture 15">
+            <a:extLst>
+              <a:ext uri="{FF2B5EF4-FFF2-40B4-BE49-F238E27FC236}">
+                <a16:creationId xmlns:a16="http://schemas.microsoft.com/office/drawing/2014/main" id="{4DFAFA67-8910-4B42-BE47-27214B20430D}"/>
+              </a:ext>
+            </a:extLst>
+          </p:cNvPr>
+          <p:cNvPicPr>
+            <a:picLocks/>
+          </p:cNvPicPr>
+          <p:nvPr/>
+        </p:nvPicPr>
+        <p:blipFill>
+          <a:blip r:embed="rId4"/>
+          <a:stretch>
+            <a:fillRect/>
+          </a:stretch>
+        </p:blipFill>
+        <p:spPr>
+          <a:xfrm>
+            <a:off x="2593754" y="3654175"/>
+            <a:ext cx="1920240" cy="1371600"/>
+          </a:xfrm>
+          <a:prstGeom prst="rect">
+            <a:avLst/>
+          </a:prstGeom>
+        </p:spPr>
+      </p:pic>
+      <p:pic>
+        <p:nvPicPr>
+          <p:cNvPr id="17" name="Picture 16">
+            <a:extLst>
+              <a:ext uri="{FF2B5EF4-FFF2-40B4-BE49-F238E27FC236}">
+                <a16:creationId xmlns:a16="http://schemas.microsoft.com/office/drawing/2014/main" id="{91378E66-9BE5-4F8A-91BF-A96035E23554}"/>
+              </a:ext>
+            </a:extLst>
+          </p:cNvPr>
+          <p:cNvPicPr>
+            <a:picLocks/>
+          </p:cNvPicPr>
+          <p:nvPr/>
+        </p:nvPicPr>
+        <p:blipFill>
+          <a:blip r:embed="rId5"/>
+          <a:stretch>
+            <a:fillRect/>
+          </a:stretch>
+        </p:blipFill>
+        <p:spPr>
+          <a:xfrm>
+            <a:off x="6687000" y="3654175"/>
+            <a:ext cx="1920240" cy="1371600"/>
+          </a:xfrm>
+          <a:prstGeom prst="rect">
+            <a:avLst/>
+          </a:prstGeom>
+        </p:spPr>
+      </p:pic>
+      <p:pic>
+        <p:nvPicPr>
+          <p:cNvPr id="19" name="Picture 18">
+            <a:extLst>
+              <a:ext uri="{FF2B5EF4-FFF2-40B4-BE49-F238E27FC236}">
+                <a16:creationId xmlns:a16="http://schemas.microsoft.com/office/drawing/2014/main" id="{2BB66E53-20D1-4E8C-9A42-0B36437BA8D9}"/>
+              </a:ext>
+            </a:extLst>
+          </p:cNvPr>
+          <p:cNvPicPr>
+            <a:picLocks noChangeAspect="1"/>
+          </p:cNvPicPr>
+          <p:nvPr/>
+        </p:nvPicPr>
+        <p:blipFill>
+          <a:blip r:embed="rId6"/>
+          <a:stretch>
+            <a:fillRect/>
+          </a:stretch>
+        </p:blipFill>
+        <p:spPr>
+          <a:xfrm>
+            <a:off x="3906981" y="641465"/>
+            <a:ext cx="5098473" cy="2874819"/>
+          </a:xfrm>
+          <a:prstGeom prst="rect">
+            <a:avLst/>
+          </a:prstGeom>
+        </p:spPr>
+      </p:pic>
+    </p:spTree>
+    <p:extLst>
+      <p:ext uri="{BB962C8B-B14F-4D97-AF65-F5344CB8AC3E}">
+        <p14:creationId xmlns:p14="http://schemas.microsoft.com/office/powerpoint/2010/main" val="3033536466"/>
+      </p:ext>
+    </p:extLst>
+  </p:cSld>
+  <p:clrMapOvr>
+    <a:masterClrMapping/>
+  </p:clrMapOvr>
+</p:sld>
+</file>
+
+<file path=ppt/slides/slide8.xml><?xml version="1.0" encoding="utf-8"?>
+<p:sld xmlns:a="http://schemas.openxmlformats.org/drawingml/2006/main" xmlns:r="http://schemas.openxmlformats.org/officeDocument/2006/relationships" xmlns:p="http://schemas.openxmlformats.org/presentationml/2006/main">
+  <p:cSld>
+    <p:spTree>
+      <p:nvGrpSpPr>
+        <p:cNvPr id="1" name=""/>
+        <p:cNvGrpSpPr/>
+        <p:nvPr/>
+      </p:nvGrpSpPr>
+      <p:grpSpPr>
+        <a:xfrm>
+          <a:off x="0" y="0"/>
+          <a:ext cx="0" cy="0"/>
+          <a:chOff x="0" y="0"/>
+          <a:chExt cx="0" cy="0"/>
+        </a:xfrm>
+      </p:grpSpPr>
+      <p:sp>
+        <p:nvSpPr>
+          <p:cNvPr id="2" name="Title 1">
+            <a:extLst>
+              <a:ext uri="{FF2B5EF4-FFF2-40B4-BE49-F238E27FC236}">
+                <a16:creationId xmlns:a16="http://schemas.microsoft.com/office/drawing/2014/main" id="{DC09D0F8-1DAC-43BA-B04E-A9B1DB8DB149}"/>
+              </a:ext>
+            </a:extLst>
+          </p:cNvPr>
+          <p:cNvSpPr>
+            <a:spLocks noGrp="1"/>
+          </p:cNvSpPr>
+          <p:nvPr>
+            <p:ph type="title"/>
+          </p:nvPr>
+        </p:nvSpPr>
         <p:spPr/>
         <p:txBody>
           <a:bodyPr/>
@@ -12015,17 +12229,17 @@
           <a:p>
             <a:r>
               <a:rPr lang="en-US" dirty="0"/>
-              <a:t>What is the most interesting (to you) thing you have discovered so far about your main scientific question(s)?  </a:t>
+              <a:t>Interesting Things</a:t>
             </a:r>
           </a:p>
         </p:txBody>
       </p:sp>
       <p:sp>
         <p:nvSpPr>
-          <p:cNvPr id="4" name="Text Placeholder 3">
+          <p:cNvPr id="3" name="Text Placeholder 2">
             <a:extLst>
               <a:ext uri="{FF2B5EF4-FFF2-40B4-BE49-F238E27FC236}">
-                <a16:creationId xmlns:a16="http://schemas.microsoft.com/office/drawing/2014/main" id="{A26CC735-FB35-4EB3-BD7C-15C38C838952}"/>
+                <a16:creationId xmlns:a16="http://schemas.microsoft.com/office/drawing/2014/main" id="{51A983B7-1228-4B6A-B1C3-3DA70F030999}"/>
               </a:ext>
             </a:extLst>
           </p:cNvPr>
@@ -12033,22 +12247,81 @@
             <a:spLocks noGrp="1"/>
           </p:cNvSpPr>
           <p:nvPr>
-            <p:ph type="body" idx="2"/>
+            <p:ph type="body" idx="1"/>
           </p:nvPr>
         </p:nvSpPr>
-        <p:spPr/>
+        <p:spPr>
+          <a:xfrm>
+            <a:off x="729325" y="2078875"/>
+            <a:ext cx="3475530" cy="2261100"/>
+          </a:xfrm>
+        </p:spPr>
         <p:txBody>
           <a:bodyPr/>
           <a:lstStyle/>
           <a:p>
-            <a:endParaRPr lang="en-US"/>
+            <a:pPr marL="146050" indent="0">
+              <a:buNone/>
+            </a:pPr>
+            <a:r>
+              <a:rPr lang="en-US" b="1" dirty="0"/>
+              <a:t>Impact to Our Project:</a:t>
+            </a:r>
+          </a:p>
+          <a:p>
+            <a:r>
+              <a:rPr lang="en-US" dirty="0"/>
+              <a:t>Ignore possible autocorrelation in our data</a:t>
+            </a:r>
+          </a:p>
+          <a:p>
+            <a:r>
+              <a:rPr lang="en-US" dirty="0"/>
+              <a:t>Can drop some correlated variables like month with temperature</a:t>
+            </a:r>
+          </a:p>
+          <a:p>
+            <a:r>
+              <a:rPr lang="en-US" dirty="0"/>
+              <a:t>Enables us to use the broader range of supervised method (like MARS) instead of time-series only methods</a:t>
+            </a:r>
           </a:p>
         </p:txBody>
       </p:sp>
+      <p:pic>
+        <p:nvPicPr>
+          <p:cNvPr id="7" name="Picture 6">
+            <a:extLst>
+              <a:ext uri="{FF2B5EF4-FFF2-40B4-BE49-F238E27FC236}">
+                <a16:creationId xmlns:a16="http://schemas.microsoft.com/office/drawing/2014/main" id="{3FE0028D-694B-4468-9A71-FBCF0FCBC98B}"/>
+              </a:ext>
+            </a:extLst>
+          </p:cNvPr>
+          <p:cNvPicPr>
+            <a:picLocks noChangeAspect="1"/>
+          </p:cNvPicPr>
+          <p:nvPr/>
+        </p:nvPicPr>
+        <p:blipFill>
+          <a:blip r:embed="rId2"/>
+          <a:stretch>
+            <a:fillRect/>
+          </a:stretch>
+        </p:blipFill>
+        <p:spPr>
+          <a:xfrm>
+            <a:off x="4301836" y="1191491"/>
+            <a:ext cx="4571719" cy="3290454"/>
+          </a:xfrm>
+          <a:prstGeom prst="rect">
+            <a:avLst/>
+          </a:prstGeom>
+        </p:spPr>
+      </p:pic>
     </p:spTree>
     <p:extLst>
       <p:ext uri="{BB962C8B-B14F-4D97-AF65-F5344CB8AC3E}">
-        <p14:creationId xmlns:p14="http://schemas.microsoft.com/office/powerpoint/2010/main" val="3033536466"/>
+        <p14:creationId xmlns:p14="http://schemas.microsoft.com/office/powerpoint/2010/main" val="1636392259"/>
       </p:ext>
     </p:extLst>
   </p:cSld>

--- a/Presentations/Presentation03.pptx
+++ b/Presentations/Presentation03.pptx
@@ -266,7 +266,7 @@
   </p:defaultTextStyle>
   <p:extLst>
     <p:ext uri="{EFAFB233-063F-42B5-8137-9DF3F51BA10A}">
-      <p15:sldGuideLst xmlns:p15="http://schemas.microsoft.com/office/powerpoint/2012/main">
+      <p15:sldGuideLst xmlns:p15="http://schemas.microsoft.com/office/powerpoint/2012/main" xmlns="">
         <p15:guide id="1" orient="horz" pos="1620">
           <p15:clr>
             <a:srgbClr val="A4A3A4"/>
@@ -628,6 +628,11 @@
         </p:txBody>
       </p:sp>
     </p:spTree>
+    <p:extLst>
+      <p:ext uri="{BB962C8B-B14F-4D97-AF65-F5344CB8AC3E}">
+        <p14:creationId xmlns:p14="http://schemas.microsoft.com/office/powerpoint/2010/main" val="1501742475"/>
+      </p:ext>
+    </p:extLst>
   </p:cSld>
   <p:clrMap bg1="lt1" tx1="dk1" bg2="dk2" tx2="lt2" accent1="accent1" accent2="accent2" accent3="accent3" accent4="accent4" accent5="accent5" accent6="accent6" hlink="hlink" folHlink="folHlink"/>
   <p:notesStyle>
@@ -11560,7 +11565,7 @@
           <p:cNvPr id="3" name="Text Placeholder 2">
             <a:extLst>
               <a:ext uri="{FF2B5EF4-FFF2-40B4-BE49-F238E27FC236}">
-                <a16:creationId xmlns:a16="http://schemas.microsoft.com/office/drawing/2014/main" id="{0155D1F7-0697-4F5F-92E4-3FE566166FD3}"/>
+                <a16:creationId xmlns:a16="http://schemas.microsoft.com/office/drawing/2014/main" xmlns="" id="{0155D1F7-0697-4F5F-92E4-3FE566166FD3}"/>
               </a:ext>
             </a:extLst>
           </p:cNvPr>
@@ -11585,7 +11590,7 @@
           <p:cNvPr id="5" name="Text Placeholder 4">
             <a:extLst>
               <a:ext uri="{FF2B5EF4-FFF2-40B4-BE49-F238E27FC236}">
-                <a16:creationId xmlns:a16="http://schemas.microsoft.com/office/drawing/2014/main" id="{92AF040F-A456-4CFB-8989-BDA264639FDB}"/>
+                <a16:creationId xmlns:a16="http://schemas.microsoft.com/office/drawing/2014/main" xmlns="" id="{92AF040F-A456-4CFB-8989-BDA264639FDB}"/>
               </a:ext>
             </a:extLst>
           </p:cNvPr>
@@ -11638,7 +11643,7 @@
           <p:cNvPr id="2" name="Title 1">
             <a:extLst>
               <a:ext uri="{FF2B5EF4-FFF2-40B4-BE49-F238E27FC236}">
-                <a16:creationId xmlns:a16="http://schemas.microsoft.com/office/drawing/2014/main" id="{DC4D1CB5-2AC5-467E-8763-2A62CD0CFB6E}"/>
+                <a16:creationId xmlns:a16="http://schemas.microsoft.com/office/drawing/2014/main" xmlns="" id="{DC4D1CB5-2AC5-467E-8763-2A62CD0CFB6E}"/>
               </a:ext>
             </a:extLst>
           </p:cNvPr>
@@ -11666,7 +11671,7 @@
           <p:cNvPr id="3" name="Text Placeholder 2">
             <a:extLst>
               <a:ext uri="{FF2B5EF4-FFF2-40B4-BE49-F238E27FC236}">
-                <a16:creationId xmlns:a16="http://schemas.microsoft.com/office/drawing/2014/main" id="{48CCE442-8B3B-4F7A-9832-34510CFA81C9}"/>
+                <a16:creationId xmlns:a16="http://schemas.microsoft.com/office/drawing/2014/main" xmlns="" id="{48CCE442-8B3B-4F7A-9832-34510CFA81C9}"/>
               </a:ext>
             </a:extLst>
           </p:cNvPr>
@@ -11691,7 +11696,7 @@
           <p:cNvPr id="4" name="Text Placeholder 3">
             <a:extLst>
               <a:ext uri="{FF2B5EF4-FFF2-40B4-BE49-F238E27FC236}">
-                <a16:creationId xmlns:a16="http://schemas.microsoft.com/office/drawing/2014/main" id="{8183FF7E-385C-4E7D-AF05-828445D7DCCB}"/>
+                <a16:creationId xmlns:a16="http://schemas.microsoft.com/office/drawing/2014/main" xmlns="" id="{8183FF7E-385C-4E7D-AF05-828445D7DCCB}"/>
               </a:ext>
             </a:extLst>
           </p:cNvPr>
@@ -11746,7 +11751,7 @@
           <p:cNvPr id="2" name="Title 1">
             <a:extLst>
               <a:ext uri="{FF2B5EF4-FFF2-40B4-BE49-F238E27FC236}">
-                <a16:creationId xmlns:a16="http://schemas.microsoft.com/office/drawing/2014/main" id="{0B50D076-9C20-477F-BDD9-6D334FEB697B}"/>
+                <a16:creationId xmlns:a16="http://schemas.microsoft.com/office/drawing/2014/main" xmlns="" id="{0B50D076-9C20-477F-BDD9-6D334FEB697B}"/>
               </a:ext>
             </a:extLst>
           </p:cNvPr>
@@ -11774,7 +11779,7 @@
           <p:cNvPr id="3" name="Text Placeholder 2">
             <a:extLst>
               <a:ext uri="{FF2B5EF4-FFF2-40B4-BE49-F238E27FC236}">
-                <a16:creationId xmlns:a16="http://schemas.microsoft.com/office/drawing/2014/main" id="{99E4E8A2-6A1A-40EB-B225-8C8E0164112E}"/>
+                <a16:creationId xmlns:a16="http://schemas.microsoft.com/office/drawing/2014/main" xmlns="" id="{99E4E8A2-6A1A-40EB-B225-8C8E0164112E}"/>
               </a:ext>
             </a:extLst>
           </p:cNvPr>
@@ -11796,9 +11801,24 @@
           <a:lstStyle/>
           <a:p>
             <a:r>
-              <a:rPr lang="en-US" dirty="0"/>
-              <a:t>What methods are you using to answer this question.  Again be specific! By specific, I mean: just saying multiple linear regression is not specific.  Specify the supervisor and generally state the features and how this method can be used to answer one of the main scientific questions.  If you are using the lasso, how are you choosing the tuning parameter?  Are you standardizing your features?</a:t>
+              <a:rPr lang="en-US" dirty="0" smtClean="0"/>
+              <a:t>MARS will be used to look at variable significance and develop a prediction model.</a:t>
             </a:r>
+          </a:p>
+          <a:p>
+            <a:pPr lvl="1"/>
+            <a:r>
+              <a:rPr lang="en-US" dirty="0" smtClean="0"/>
+              <a:t>Supervisor: Number of Recreational Visits</a:t>
+            </a:r>
+          </a:p>
+          <a:p>
+            <a:pPr lvl="1"/>
+            <a:r>
+              <a:rPr lang="en-US" dirty="0" smtClean="0"/>
+              <a:t>Explanatory Variables: poverty index, month, year, park descriptives (region, park classification, size, age, % public area)</a:t>
+            </a:r>
+            <a:endParaRPr lang="en-US" dirty="0"/>
           </a:p>
         </p:txBody>
       </p:sp>
@@ -11807,7 +11827,7 @@
           <p:cNvPr id="4" name="Text Placeholder 3">
             <a:extLst>
               <a:ext uri="{FF2B5EF4-FFF2-40B4-BE49-F238E27FC236}">
-                <a16:creationId xmlns:a16="http://schemas.microsoft.com/office/drawing/2014/main" id="{6FE07694-EFB4-4E0C-B1A5-50DE66BBF6EF}"/>
+                <a16:creationId xmlns:a16="http://schemas.microsoft.com/office/drawing/2014/main" xmlns="" id="{6FE07694-EFB4-4E0C-B1A5-50DE66BBF6EF}"/>
               </a:ext>
             </a:extLst>
           </p:cNvPr>
@@ -11823,7 +11843,40 @@
           <a:bodyPr/>
           <a:lstStyle/>
           <a:p>
-            <a:endParaRPr lang="en-US"/>
+            <a:r>
+              <a:rPr lang="en-US" dirty="0" smtClean="0"/>
+              <a:t>Tuning parameters will be 1-3 degrees and 10-50 knots.</a:t>
+            </a:r>
+          </a:p>
+          <a:p>
+            <a:endParaRPr lang="en-US" dirty="0"/>
+          </a:p>
+          <a:p>
+            <a:endParaRPr lang="en-US" dirty="0" smtClean="0"/>
+          </a:p>
+          <a:p>
+            <a:pPr marL="146050" indent="0">
+              <a:buNone/>
+            </a:pPr>
+            <a:r>
+              <a:rPr lang="en-US" dirty="0" smtClean="0"/>
+              <a:t> </a:t>
+            </a:r>
+          </a:p>
+          <a:p>
+            <a:r>
+              <a:rPr lang="en-US" dirty="0" smtClean="0"/>
+              <a:t>Variable Importance will be shown using the </a:t>
+            </a:r>
+            <a:r>
+              <a:rPr lang="en-US" dirty="0" err="1" smtClean="0"/>
+              <a:t>vip</a:t>
+            </a:r>
+            <a:r>
+              <a:rPr lang="en-US" dirty="0" smtClean="0"/>
+              <a:t> graphing function</a:t>
+            </a:r>
+            <a:endParaRPr lang="en-US" dirty="0"/>
           </a:p>
         </p:txBody>
       </p:sp>
@@ -11862,7 +11915,7 @@
           <p:cNvPr id="2" name="Title 1">
             <a:extLst>
               <a:ext uri="{FF2B5EF4-FFF2-40B4-BE49-F238E27FC236}">
-                <a16:creationId xmlns:a16="http://schemas.microsoft.com/office/drawing/2014/main" id="{9C5BEC88-7864-4F8E-B0D9-3F77FC77DCFD}"/>
+                <a16:creationId xmlns:a16="http://schemas.microsoft.com/office/drawing/2014/main" xmlns="" id="{9C5BEC88-7864-4F8E-B0D9-3F77FC77DCFD}"/>
               </a:ext>
             </a:extLst>
           </p:cNvPr>
@@ -11890,7 +11943,7 @@
           <p:cNvPr id="3" name="Text Placeholder 2">
             <a:extLst>
               <a:ext uri="{FF2B5EF4-FFF2-40B4-BE49-F238E27FC236}">
-                <a16:creationId xmlns:a16="http://schemas.microsoft.com/office/drawing/2014/main" id="{CFC2824E-46D2-466B-8F9C-81DA2458B0ED}"/>
+                <a16:creationId xmlns:a16="http://schemas.microsoft.com/office/drawing/2014/main" xmlns="" id="{CFC2824E-46D2-466B-8F9C-81DA2458B0ED}"/>
               </a:ext>
             </a:extLst>
           </p:cNvPr>
@@ -11906,7 +11959,31 @@
           <a:bodyPr/>
           <a:lstStyle/>
           <a:p>
-            <a:endParaRPr lang="en-US"/>
+            <a:r>
+              <a:rPr lang="en-US" dirty="0" smtClean="0"/>
+              <a:t>Training data</a:t>
+            </a:r>
+          </a:p>
+          <a:p>
+            <a:pPr lvl="1"/>
+            <a:r>
+              <a:rPr lang="en-US" dirty="0" smtClean="0"/>
+              <a:t>1995 – 2015</a:t>
+            </a:r>
+          </a:p>
+          <a:p>
+            <a:pPr lvl="1"/>
+            <a:r>
+              <a:rPr lang="en-US" dirty="0" smtClean="0"/>
+              <a:t>Used to try different models and select the best one to be used with the test data.</a:t>
+            </a:r>
+          </a:p>
+          <a:p>
+            <a:pPr lvl="1"/>
+            <a:r>
+              <a:rPr lang="en-US" dirty="0" smtClean="0"/>
+              <a:t>Will help assess variable importance in the chosen model.	</a:t>
+            </a:r>
           </a:p>
         </p:txBody>
       </p:sp>
@@ -11915,7 +11992,7 @@
           <p:cNvPr id="4" name="Text Placeholder 3">
             <a:extLst>
               <a:ext uri="{FF2B5EF4-FFF2-40B4-BE49-F238E27FC236}">
-                <a16:creationId xmlns:a16="http://schemas.microsoft.com/office/drawing/2014/main" id="{61099D9A-ECFA-4E7E-8C15-C7F98EE02E6B}"/>
+                <a16:creationId xmlns:a16="http://schemas.microsoft.com/office/drawing/2014/main" xmlns="" id="{61099D9A-ECFA-4E7E-8C15-C7F98EE02E6B}"/>
               </a:ext>
             </a:extLst>
           </p:cNvPr>
@@ -11931,7 +12008,32 @@
           <a:bodyPr/>
           <a:lstStyle/>
           <a:p>
-            <a:endParaRPr lang="en-US"/>
+            <a:r>
+              <a:rPr lang="en-US" dirty="0" smtClean="0"/>
+              <a:t>Test Data</a:t>
+            </a:r>
+          </a:p>
+          <a:p>
+            <a:pPr lvl="1"/>
+            <a:r>
+              <a:rPr lang="en-US" dirty="0" smtClean="0"/>
+              <a:t>2016 – 2019</a:t>
+            </a:r>
+          </a:p>
+          <a:p>
+            <a:pPr lvl="1"/>
+            <a:r>
+              <a:rPr lang="en-US" dirty="0" smtClean="0"/>
+              <a:t>Used mainly for predictions of visitation.</a:t>
+            </a:r>
+          </a:p>
+          <a:p>
+            <a:pPr lvl="1"/>
+            <a:r>
+              <a:rPr lang="en-US" dirty="0" smtClean="0"/>
+              <a:t>Used to assess test error based off of model predictions</a:t>
+            </a:r>
+            <a:endParaRPr lang="en-US" dirty="0"/>
           </a:p>
         </p:txBody>
       </p:sp>
@@ -11970,7 +12072,7 @@
           <p:cNvPr id="2" name="Title 1">
             <a:extLst>
               <a:ext uri="{FF2B5EF4-FFF2-40B4-BE49-F238E27FC236}">
-                <a16:creationId xmlns:a16="http://schemas.microsoft.com/office/drawing/2014/main" id="{DC09D0F8-1DAC-43BA-B04E-A9B1DB8DB149}"/>
+                <a16:creationId xmlns:a16="http://schemas.microsoft.com/office/drawing/2014/main" xmlns="" id="{DC09D0F8-1DAC-43BA-B04E-A9B1DB8DB149}"/>
               </a:ext>
             </a:extLst>
           </p:cNvPr>
@@ -11998,7 +12100,7 @@
           <p:cNvPr id="3" name="Text Placeholder 2">
             <a:extLst>
               <a:ext uri="{FF2B5EF4-FFF2-40B4-BE49-F238E27FC236}">
-                <a16:creationId xmlns:a16="http://schemas.microsoft.com/office/drawing/2014/main" id="{51A983B7-1228-4B6A-B1C3-3DA70F030999}"/>
+                <a16:creationId xmlns:a16="http://schemas.microsoft.com/office/drawing/2014/main" xmlns="" id="{51A983B7-1228-4B6A-B1C3-3DA70F030999}"/>
               </a:ext>
             </a:extLst>
           </p:cNvPr>
@@ -12031,7 +12133,7 @@
           <p:cNvPr id="8" name="Picture 7">
             <a:extLst>
               <a:ext uri="{FF2B5EF4-FFF2-40B4-BE49-F238E27FC236}">
-                <a16:creationId xmlns:a16="http://schemas.microsoft.com/office/drawing/2014/main" id="{A18019E9-83DF-4688-8ECA-FA4D70A37D94}"/>
+                <a16:creationId xmlns:a16="http://schemas.microsoft.com/office/drawing/2014/main" xmlns="" id="{A18019E9-83DF-4688-8ECA-FA4D70A37D94}"/>
               </a:ext>
             </a:extLst>
           </p:cNvPr>
@@ -12061,7 +12163,7 @@
           <p:cNvPr id="15" name="Picture 14">
             <a:extLst>
               <a:ext uri="{FF2B5EF4-FFF2-40B4-BE49-F238E27FC236}">
-                <a16:creationId xmlns:a16="http://schemas.microsoft.com/office/drawing/2014/main" id="{2D039A81-B75A-431D-8FFE-C94807C27A58}"/>
+                <a16:creationId xmlns:a16="http://schemas.microsoft.com/office/drawing/2014/main" xmlns="" id="{2D039A81-B75A-431D-8FFE-C94807C27A58}"/>
               </a:ext>
             </a:extLst>
           </p:cNvPr>
@@ -12091,7 +12193,7 @@
           <p:cNvPr id="16" name="Picture 15">
             <a:extLst>
               <a:ext uri="{FF2B5EF4-FFF2-40B4-BE49-F238E27FC236}">
-                <a16:creationId xmlns:a16="http://schemas.microsoft.com/office/drawing/2014/main" id="{4DFAFA67-8910-4B42-BE47-27214B20430D}"/>
+                <a16:creationId xmlns:a16="http://schemas.microsoft.com/office/drawing/2014/main" xmlns="" id="{4DFAFA67-8910-4B42-BE47-27214B20430D}"/>
               </a:ext>
             </a:extLst>
           </p:cNvPr>
@@ -12121,7 +12223,7 @@
           <p:cNvPr id="17" name="Picture 16">
             <a:extLst>
               <a:ext uri="{FF2B5EF4-FFF2-40B4-BE49-F238E27FC236}">
-                <a16:creationId xmlns:a16="http://schemas.microsoft.com/office/drawing/2014/main" id="{91378E66-9BE5-4F8A-91BF-A96035E23554}"/>
+                <a16:creationId xmlns:a16="http://schemas.microsoft.com/office/drawing/2014/main" xmlns="" id="{91378E66-9BE5-4F8A-91BF-A96035E23554}"/>
               </a:ext>
             </a:extLst>
           </p:cNvPr>
@@ -12151,7 +12253,7 @@
           <p:cNvPr id="19" name="Picture 18">
             <a:extLst>
               <a:ext uri="{FF2B5EF4-FFF2-40B4-BE49-F238E27FC236}">
-                <a16:creationId xmlns:a16="http://schemas.microsoft.com/office/drawing/2014/main" id="{2BB66E53-20D1-4E8C-9A42-0B36437BA8D9}"/>
+                <a16:creationId xmlns:a16="http://schemas.microsoft.com/office/drawing/2014/main" xmlns="" id="{2BB66E53-20D1-4E8C-9A42-0B36437BA8D9}"/>
               </a:ext>
             </a:extLst>
           </p:cNvPr>
@@ -12211,7 +12313,7 @@
           <p:cNvPr id="2" name="Title 1">
             <a:extLst>
               <a:ext uri="{FF2B5EF4-FFF2-40B4-BE49-F238E27FC236}">
-                <a16:creationId xmlns:a16="http://schemas.microsoft.com/office/drawing/2014/main" id="{DC09D0F8-1DAC-43BA-B04E-A9B1DB8DB149}"/>
+                <a16:creationId xmlns:a16="http://schemas.microsoft.com/office/drawing/2014/main" xmlns="" id="{DC09D0F8-1DAC-43BA-B04E-A9B1DB8DB149}"/>
               </a:ext>
             </a:extLst>
           </p:cNvPr>
@@ -12239,7 +12341,7 @@
           <p:cNvPr id="3" name="Text Placeholder 2">
             <a:extLst>
               <a:ext uri="{FF2B5EF4-FFF2-40B4-BE49-F238E27FC236}">
-                <a16:creationId xmlns:a16="http://schemas.microsoft.com/office/drawing/2014/main" id="{51A983B7-1228-4B6A-B1C3-3DA70F030999}"/>
+                <a16:creationId xmlns:a16="http://schemas.microsoft.com/office/drawing/2014/main" xmlns="" id="{51A983B7-1228-4B6A-B1C3-3DA70F030999}"/>
               </a:ext>
             </a:extLst>
           </p:cNvPr>
@@ -12293,7 +12395,7 @@
           <p:cNvPr id="7" name="Picture 6">
             <a:extLst>
               <a:ext uri="{FF2B5EF4-FFF2-40B4-BE49-F238E27FC236}">
-                <a16:creationId xmlns:a16="http://schemas.microsoft.com/office/drawing/2014/main" id="{3FE0028D-694B-4468-9A71-FBCF0FCBC98B}"/>
+                <a16:creationId xmlns:a16="http://schemas.microsoft.com/office/drawing/2014/main" xmlns="" id="{3FE0028D-694B-4468-9A71-FBCF0FCBC98B}"/>
               </a:ext>
             </a:extLst>
           </p:cNvPr>

--- a/Presentations/Presentation03.pptx
+++ b/Presentations/Presentation03.pptx
@@ -266,7 +266,7 @@
   </p:defaultTextStyle>
   <p:extLst>
     <p:ext uri="{EFAFB233-063F-42B5-8137-9DF3F51BA10A}">
-      <p15:sldGuideLst xmlns:p15="http://schemas.microsoft.com/office/powerpoint/2012/main" xmlns="">
+      <p15:sldGuideLst xmlns:p15="http://schemas.microsoft.com/office/powerpoint/2012/main">
         <p15:guide id="1" orient="horz" pos="1620">
           <p15:clr>
             <a:srgbClr val="A4A3A4"/>
@@ -11565,7 +11565,7 @@
           <p:cNvPr id="3" name="Text Placeholder 2">
             <a:extLst>
               <a:ext uri="{FF2B5EF4-FFF2-40B4-BE49-F238E27FC236}">
-                <a16:creationId xmlns:a16="http://schemas.microsoft.com/office/drawing/2014/main" xmlns="" id="{0155D1F7-0697-4F5F-92E4-3FE566166FD3}"/>
+                <a16:creationId xmlns:a16="http://schemas.microsoft.com/office/drawing/2014/main" id="{0155D1F7-0697-4F5F-92E4-3FE566166FD3}"/>
               </a:ext>
             </a:extLst>
           </p:cNvPr>
@@ -11590,7 +11590,7 @@
           <p:cNvPr id="5" name="Text Placeholder 4">
             <a:extLst>
               <a:ext uri="{FF2B5EF4-FFF2-40B4-BE49-F238E27FC236}">
-                <a16:creationId xmlns:a16="http://schemas.microsoft.com/office/drawing/2014/main" xmlns="" id="{92AF040F-A456-4CFB-8989-BDA264639FDB}"/>
+                <a16:creationId xmlns:a16="http://schemas.microsoft.com/office/drawing/2014/main" id="{92AF040F-A456-4CFB-8989-BDA264639FDB}"/>
               </a:ext>
             </a:extLst>
           </p:cNvPr>
@@ -11643,7 +11643,7 @@
           <p:cNvPr id="2" name="Title 1">
             <a:extLst>
               <a:ext uri="{FF2B5EF4-FFF2-40B4-BE49-F238E27FC236}">
-                <a16:creationId xmlns:a16="http://schemas.microsoft.com/office/drawing/2014/main" xmlns="" id="{DC4D1CB5-2AC5-467E-8763-2A62CD0CFB6E}"/>
+                <a16:creationId xmlns:a16="http://schemas.microsoft.com/office/drawing/2014/main" id="{DC4D1CB5-2AC5-467E-8763-2A62CD0CFB6E}"/>
               </a:ext>
             </a:extLst>
           </p:cNvPr>
@@ -11671,7 +11671,7 @@
           <p:cNvPr id="3" name="Text Placeholder 2">
             <a:extLst>
               <a:ext uri="{FF2B5EF4-FFF2-40B4-BE49-F238E27FC236}">
-                <a16:creationId xmlns:a16="http://schemas.microsoft.com/office/drawing/2014/main" xmlns="" id="{48CCE442-8B3B-4F7A-9832-34510CFA81C9}"/>
+                <a16:creationId xmlns:a16="http://schemas.microsoft.com/office/drawing/2014/main" id="{48CCE442-8B3B-4F7A-9832-34510CFA81C9}"/>
               </a:ext>
             </a:extLst>
           </p:cNvPr>
@@ -11696,7 +11696,7 @@
           <p:cNvPr id="4" name="Text Placeholder 3">
             <a:extLst>
               <a:ext uri="{FF2B5EF4-FFF2-40B4-BE49-F238E27FC236}">
-                <a16:creationId xmlns:a16="http://schemas.microsoft.com/office/drawing/2014/main" xmlns="" id="{8183FF7E-385C-4E7D-AF05-828445D7DCCB}"/>
+                <a16:creationId xmlns:a16="http://schemas.microsoft.com/office/drawing/2014/main" id="{8183FF7E-385C-4E7D-AF05-828445D7DCCB}"/>
               </a:ext>
             </a:extLst>
           </p:cNvPr>
@@ -11751,7 +11751,7 @@
           <p:cNvPr id="2" name="Title 1">
             <a:extLst>
               <a:ext uri="{FF2B5EF4-FFF2-40B4-BE49-F238E27FC236}">
-                <a16:creationId xmlns:a16="http://schemas.microsoft.com/office/drawing/2014/main" xmlns="" id="{0B50D076-9C20-477F-BDD9-6D334FEB697B}"/>
+                <a16:creationId xmlns:a16="http://schemas.microsoft.com/office/drawing/2014/main" id="{0B50D076-9C20-477F-BDD9-6D334FEB697B}"/>
               </a:ext>
             </a:extLst>
           </p:cNvPr>
@@ -11779,7 +11779,7 @@
           <p:cNvPr id="3" name="Text Placeholder 2">
             <a:extLst>
               <a:ext uri="{FF2B5EF4-FFF2-40B4-BE49-F238E27FC236}">
-                <a16:creationId xmlns:a16="http://schemas.microsoft.com/office/drawing/2014/main" xmlns="" id="{99E4E8A2-6A1A-40EB-B225-8C8E0164112E}"/>
+                <a16:creationId xmlns:a16="http://schemas.microsoft.com/office/drawing/2014/main" id="{99E4E8A2-6A1A-40EB-B225-8C8E0164112E}"/>
               </a:ext>
             </a:extLst>
           </p:cNvPr>
@@ -11801,24 +11801,23 @@
           <a:lstStyle/>
           <a:p>
             <a:r>
-              <a:rPr lang="en-US" dirty="0" smtClean="0"/>
+              <a:rPr lang="en-US" dirty="0"/>
               <a:t>MARS will be used to look at variable significance and develop a prediction model.</a:t>
             </a:r>
           </a:p>
           <a:p>
             <a:pPr lvl="1"/>
             <a:r>
-              <a:rPr lang="en-US" dirty="0" smtClean="0"/>
+              <a:rPr lang="en-US" dirty="0"/>
               <a:t>Supervisor: Number of Recreational Visits</a:t>
             </a:r>
           </a:p>
           <a:p>
             <a:pPr lvl="1"/>
             <a:r>
-              <a:rPr lang="en-US" dirty="0" smtClean="0"/>
+              <a:rPr lang="en-US" dirty="0"/>
               <a:t>Explanatory Variables: poverty index, month, year, park descriptives (region, park classification, size, age, % public area)</a:t>
             </a:r>
-            <a:endParaRPr lang="en-US" dirty="0"/>
           </a:p>
         </p:txBody>
       </p:sp>
@@ -11827,7 +11826,7 @@
           <p:cNvPr id="4" name="Text Placeholder 3">
             <a:extLst>
               <a:ext uri="{FF2B5EF4-FFF2-40B4-BE49-F238E27FC236}">
-                <a16:creationId xmlns:a16="http://schemas.microsoft.com/office/drawing/2014/main" xmlns="" id="{6FE07694-EFB4-4E0C-B1A5-50DE66BBF6EF}"/>
+                <a16:creationId xmlns:a16="http://schemas.microsoft.com/office/drawing/2014/main" id="{6FE07694-EFB4-4E0C-B1A5-50DE66BBF6EF}"/>
               </a:ext>
             </a:extLst>
           </p:cNvPr>
@@ -11844,7 +11843,7 @@
           <a:lstStyle/>
           <a:p>
             <a:r>
-              <a:rPr lang="en-US" dirty="0" smtClean="0"/>
+              <a:rPr lang="en-US" dirty="0"/>
               <a:t>Tuning parameters will be 1-3 degrees and 10-50 knots.</a:t>
             </a:r>
           </a:p>
@@ -11852,31 +11851,30 @@
             <a:endParaRPr lang="en-US" dirty="0"/>
           </a:p>
           <a:p>
-            <a:endParaRPr lang="en-US" dirty="0" smtClean="0"/>
+            <a:endParaRPr lang="en-US" dirty="0"/>
           </a:p>
           <a:p>
             <a:pPr marL="146050" indent="0">
               <a:buNone/>
             </a:pPr>
             <a:r>
-              <a:rPr lang="en-US" dirty="0" smtClean="0"/>
+              <a:rPr lang="en-US" dirty="0"/>
               <a:t> </a:t>
             </a:r>
           </a:p>
           <a:p>
             <a:r>
-              <a:rPr lang="en-US" dirty="0" smtClean="0"/>
+              <a:rPr lang="en-US" dirty="0"/>
               <a:t>Variable Importance will be shown using the </a:t>
             </a:r>
             <a:r>
-              <a:rPr lang="en-US" dirty="0" err="1" smtClean="0"/>
+              <a:rPr lang="en-US" dirty="0" err="1"/>
               <a:t>vip</a:t>
             </a:r>
             <a:r>
-              <a:rPr lang="en-US" dirty="0" smtClean="0"/>
+              <a:rPr lang="en-US" dirty="0"/>
               <a:t> graphing function</a:t>
             </a:r>
-            <a:endParaRPr lang="en-US" dirty="0"/>
           </a:p>
         </p:txBody>
       </p:sp>
@@ -11915,7 +11913,7 @@
           <p:cNvPr id="2" name="Title 1">
             <a:extLst>
               <a:ext uri="{FF2B5EF4-FFF2-40B4-BE49-F238E27FC236}">
-                <a16:creationId xmlns:a16="http://schemas.microsoft.com/office/drawing/2014/main" xmlns="" id="{9C5BEC88-7864-4F8E-B0D9-3F77FC77DCFD}"/>
+                <a16:creationId xmlns:a16="http://schemas.microsoft.com/office/drawing/2014/main" id="{9C5BEC88-7864-4F8E-B0D9-3F77FC77DCFD}"/>
               </a:ext>
             </a:extLst>
           </p:cNvPr>
@@ -11943,7 +11941,7 @@
           <p:cNvPr id="3" name="Text Placeholder 2">
             <a:extLst>
               <a:ext uri="{FF2B5EF4-FFF2-40B4-BE49-F238E27FC236}">
-                <a16:creationId xmlns:a16="http://schemas.microsoft.com/office/drawing/2014/main" xmlns="" id="{CFC2824E-46D2-466B-8F9C-81DA2458B0ED}"/>
+                <a16:creationId xmlns:a16="http://schemas.microsoft.com/office/drawing/2014/main" id="{CFC2824E-46D2-466B-8F9C-81DA2458B0ED}"/>
               </a:ext>
             </a:extLst>
           </p:cNvPr>
@@ -11960,28 +11958,28 @@
           <a:lstStyle/>
           <a:p>
             <a:r>
-              <a:rPr lang="en-US" dirty="0" smtClean="0"/>
+              <a:rPr lang="en-US" dirty="0"/>
               <a:t>Training data</a:t>
             </a:r>
           </a:p>
           <a:p>
             <a:pPr lvl="1"/>
             <a:r>
-              <a:rPr lang="en-US" dirty="0" smtClean="0"/>
+              <a:rPr lang="en-US" dirty="0"/>
               <a:t>1995 – 2015</a:t>
             </a:r>
           </a:p>
           <a:p>
             <a:pPr lvl="1"/>
             <a:r>
-              <a:rPr lang="en-US" dirty="0" smtClean="0"/>
+              <a:rPr lang="en-US" dirty="0"/>
               <a:t>Used to try different models and select the best one to be used with the test data.</a:t>
             </a:r>
           </a:p>
           <a:p>
             <a:pPr lvl="1"/>
             <a:r>
-              <a:rPr lang="en-US" dirty="0" smtClean="0"/>
+              <a:rPr lang="en-US" dirty="0"/>
               <a:t>Will help assess variable importance in the chosen model.	</a:t>
             </a:r>
           </a:p>
@@ -11992,7 +11990,7 @@
           <p:cNvPr id="4" name="Text Placeholder 3">
             <a:extLst>
               <a:ext uri="{FF2B5EF4-FFF2-40B4-BE49-F238E27FC236}">
-                <a16:creationId xmlns:a16="http://schemas.microsoft.com/office/drawing/2014/main" xmlns="" id="{61099D9A-ECFA-4E7E-8C15-C7F98EE02E6B}"/>
+                <a16:creationId xmlns:a16="http://schemas.microsoft.com/office/drawing/2014/main" id="{61099D9A-ECFA-4E7E-8C15-C7F98EE02E6B}"/>
               </a:ext>
             </a:extLst>
           </p:cNvPr>
@@ -12009,31 +12007,30 @@
           <a:lstStyle/>
           <a:p>
             <a:r>
-              <a:rPr lang="en-US" dirty="0" smtClean="0"/>
+              <a:rPr lang="en-US" dirty="0"/>
               <a:t>Test Data</a:t>
             </a:r>
           </a:p>
           <a:p>
             <a:pPr lvl="1"/>
             <a:r>
-              <a:rPr lang="en-US" dirty="0" smtClean="0"/>
+              <a:rPr lang="en-US" dirty="0"/>
               <a:t>2016 – 2019</a:t>
             </a:r>
           </a:p>
           <a:p>
             <a:pPr lvl="1"/>
             <a:r>
-              <a:rPr lang="en-US" dirty="0" smtClean="0"/>
+              <a:rPr lang="en-US" dirty="0"/>
               <a:t>Used mainly for predictions of visitation.</a:t>
             </a:r>
           </a:p>
           <a:p>
             <a:pPr lvl="1"/>
             <a:r>
-              <a:rPr lang="en-US" dirty="0" smtClean="0"/>
+              <a:rPr lang="en-US" dirty="0"/>
               <a:t>Used to assess test error based off of model predictions</a:t>
             </a:r>
-            <a:endParaRPr lang="en-US" dirty="0"/>
           </a:p>
         </p:txBody>
       </p:sp>
@@ -12072,7 +12069,7 @@
           <p:cNvPr id="2" name="Title 1">
             <a:extLst>
               <a:ext uri="{FF2B5EF4-FFF2-40B4-BE49-F238E27FC236}">
-                <a16:creationId xmlns:a16="http://schemas.microsoft.com/office/drawing/2014/main" xmlns="" id="{DC09D0F8-1DAC-43BA-B04E-A9B1DB8DB149}"/>
+                <a16:creationId xmlns:a16="http://schemas.microsoft.com/office/drawing/2014/main" id="{DC09D0F8-1DAC-43BA-B04E-A9B1DB8DB149}"/>
               </a:ext>
             </a:extLst>
           </p:cNvPr>
@@ -12100,7 +12097,7 @@
           <p:cNvPr id="3" name="Text Placeholder 2">
             <a:extLst>
               <a:ext uri="{FF2B5EF4-FFF2-40B4-BE49-F238E27FC236}">
-                <a16:creationId xmlns:a16="http://schemas.microsoft.com/office/drawing/2014/main" xmlns="" id="{51A983B7-1228-4B6A-B1C3-3DA70F030999}"/>
+                <a16:creationId xmlns:a16="http://schemas.microsoft.com/office/drawing/2014/main" id="{51A983B7-1228-4B6A-B1C3-3DA70F030999}"/>
               </a:ext>
             </a:extLst>
           </p:cNvPr>
@@ -12113,7 +12110,7 @@
         </p:nvSpPr>
         <p:spPr>
           <a:xfrm>
-            <a:off x="616527" y="2078875"/>
+            <a:off x="616527" y="2036437"/>
             <a:ext cx="3247818" cy="1437409"/>
           </a:xfrm>
         </p:spPr>
@@ -12121,9 +12118,36 @@
           <a:bodyPr/>
           <a:lstStyle/>
           <a:p>
+            <a:pPr>
+              <a:spcBef>
+                <a:spcPts val="600"/>
+              </a:spcBef>
+            </a:pPr>
             <a:r>
               <a:rPr lang="en-US" dirty="0"/>
-              <a:t>The time component of our data is relatively negligible and any trends observed are due to seasonal patterns explained by month alone.</a:t>
+              <a:t>Time component is relatively negligible</a:t>
+            </a:r>
+          </a:p>
+          <a:p>
+            <a:pPr lvl="1">
+              <a:spcBef>
+                <a:spcPts val="600"/>
+              </a:spcBef>
+            </a:pPr>
+            <a:r>
+              <a:rPr lang="en-US" dirty="0"/>
+              <a:t>Low Sample Autocorrelation</a:t>
+            </a:r>
+          </a:p>
+          <a:p>
+            <a:pPr>
+              <a:spcBef>
+                <a:spcPts val="600"/>
+              </a:spcBef>
+            </a:pPr>
+            <a:r>
+              <a:rPr lang="en-US" dirty="0"/>
+              <a:t>Seasonal patterns are explained by month alone</a:t>
             </a:r>
           </a:p>
         </p:txBody>
@@ -12133,7 +12157,7 @@
           <p:cNvPr id="8" name="Picture 7">
             <a:extLst>
               <a:ext uri="{FF2B5EF4-FFF2-40B4-BE49-F238E27FC236}">
-                <a16:creationId xmlns:a16="http://schemas.microsoft.com/office/drawing/2014/main" xmlns="" id="{A18019E9-83DF-4688-8ECA-FA4D70A37D94}"/>
+                <a16:creationId xmlns:a16="http://schemas.microsoft.com/office/drawing/2014/main" id="{A18019E9-83DF-4688-8ECA-FA4D70A37D94}"/>
               </a:ext>
             </a:extLst>
           </p:cNvPr>
@@ -12163,7 +12187,7 @@
           <p:cNvPr id="15" name="Picture 14">
             <a:extLst>
               <a:ext uri="{FF2B5EF4-FFF2-40B4-BE49-F238E27FC236}">
-                <a16:creationId xmlns:a16="http://schemas.microsoft.com/office/drawing/2014/main" xmlns="" id="{2D039A81-B75A-431D-8FFE-C94807C27A58}"/>
+                <a16:creationId xmlns:a16="http://schemas.microsoft.com/office/drawing/2014/main" id="{2D039A81-B75A-431D-8FFE-C94807C27A58}"/>
               </a:ext>
             </a:extLst>
           </p:cNvPr>
@@ -12193,7 +12217,7 @@
           <p:cNvPr id="16" name="Picture 15">
             <a:extLst>
               <a:ext uri="{FF2B5EF4-FFF2-40B4-BE49-F238E27FC236}">
-                <a16:creationId xmlns:a16="http://schemas.microsoft.com/office/drawing/2014/main" xmlns="" id="{4DFAFA67-8910-4B42-BE47-27214B20430D}"/>
+                <a16:creationId xmlns:a16="http://schemas.microsoft.com/office/drawing/2014/main" id="{4DFAFA67-8910-4B42-BE47-27214B20430D}"/>
               </a:ext>
             </a:extLst>
           </p:cNvPr>
@@ -12223,7 +12247,7 @@
           <p:cNvPr id="17" name="Picture 16">
             <a:extLst>
               <a:ext uri="{FF2B5EF4-FFF2-40B4-BE49-F238E27FC236}">
-                <a16:creationId xmlns:a16="http://schemas.microsoft.com/office/drawing/2014/main" xmlns="" id="{91378E66-9BE5-4F8A-91BF-A96035E23554}"/>
+                <a16:creationId xmlns:a16="http://schemas.microsoft.com/office/drawing/2014/main" id="{91378E66-9BE5-4F8A-91BF-A96035E23554}"/>
               </a:ext>
             </a:extLst>
           </p:cNvPr>
@@ -12253,7 +12277,7 @@
           <p:cNvPr id="19" name="Picture 18">
             <a:extLst>
               <a:ext uri="{FF2B5EF4-FFF2-40B4-BE49-F238E27FC236}">
-                <a16:creationId xmlns:a16="http://schemas.microsoft.com/office/drawing/2014/main" xmlns="" id="{2BB66E53-20D1-4E8C-9A42-0B36437BA8D9}"/>
+                <a16:creationId xmlns:a16="http://schemas.microsoft.com/office/drawing/2014/main" id="{2BB66E53-20D1-4E8C-9A42-0B36437BA8D9}"/>
               </a:ext>
             </a:extLst>
           </p:cNvPr>
@@ -12262,16 +12286,15 @@
           </p:cNvPicPr>
           <p:nvPr/>
         </p:nvPicPr>
-        <p:blipFill>
+        <p:blipFill rotWithShape="1">
           <a:blip r:embed="rId6"/>
-          <a:stretch>
-            <a:fillRect/>
-          </a:stretch>
+          <a:srcRect t="1139" b="1"/>
+          <a:stretch/>
         </p:blipFill>
         <p:spPr>
           <a:xfrm>
-            <a:off x="3906981" y="641465"/>
-            <a:ext cx="5098473" cy="2874819"/>
+            <a:off x="3906981" y="674225"/>
+            <a:ext cx="5098473" cy="2842059"/>
           </a:xfrm>
           <a:prstGeom prst="rect">
             <a:avLst/>
@@ -12313,7 +12336,7 @@
           <p:cNvPr id="2" name="Title 1">
             <a:extLst>
               <a:ext uri="{FF2B5EF4-FFF2-40B4-BE49-F238E27FC236}">
-                <a16:creationId xmlns:a16="http://schemas.microsoft.com/office/drawing/2014/main" xmlns="" id="{DC09D0F8-1DAC-43BA-B04E-A9B1DB8DB149}"/>
+                <a16:creationId xmlns:a16="http://schemas.microsoft.com/office/drawing/2014/main" id="{DC09D0F8-1DAC-43BA-B04E-A9B1DB8DB149}"/>
               </a:ext>
             </a:extLst>
           </p:cNvPr>
@@ -12341,7 +12364,7 @@
           <p:cNvPr id="3" name="Text Placeholder 2">
             <a:extLst>
               <a:ext uri="{FF2B5EF4-FFF2-40B4-BE49-F238E27FC236}">
-                <a16:creationId xmlns:a16="http://schemas.microsoft.com/office/drawing/2014/main" xmlns="" id="{51A983B7-1228-4B6A-B1C3-3DA70F030999}"/>
+                <a16:creationId xmlns:a16="http://schemas.microsoft.com/office/drawing/2014/main" id="{51A983B7-1228-4B6A-B1C3-3DA70F030999}"/>
               </a:ext>
             </a:extLst>
           </p:cNvPr>
@@ -12395,7 +12418,7 @@
           <p:cNvPr id="7" name="Picture 6">
             <a:extLst>
               <a:ext uri="{FF2B5EF4-FFF2-40B4-BE49-F238E27FC236}">
-                <a16:creationId xmlns:a16="http://schemas.microsoft.com/office/drawing/2014/main" xmlns="" id="{3FE0028D-694B-4468-9A71-FBCF0FCBC98B}"/>
+                <a16:creationId xmlns:a16="http://schemas.microsoft.com/office/drawing/2014/main" id="{3FE0028D-694B-4468-9A71-FBCF0FCBC98B}"/>
               </a:ext>
             </a:extLst>
           </p:cNvPr>

--- a/Presentations/Presentation03.pptx
+++ b/Presentations/Presentation03.pptx
@@ -5,34 +5,35 @@
     <p:sldMasterId id="2147483659" r:id="rId1"/>
   </p:sldMasterIdLst>
   <p:notesMasterIdLst>
-    <p:notesMasterId r:id="rId10"/>
+    <p:notesMasterId r:id="rId11"/>
   </p:notesMasterIdLst>
   <p:sldIdLst>
     <p:sldId id="256" r:id="rId2"/>
     <p:sldId id="258" r:id="rId3"/>
     <p:sldId id="259" r:id="rId4"/>
     <p:sldId id="263" r:id="rId5"/>
-    <p:sldId id="260" r:id="rId6"/>
-    <p:sldId id="261" r:id="rId7"/>
-    <p:sldId id="262" r:id="rId8"/>
-    <p:sldId id="264" r:id="rId9"/>
+    <p:sldId id="265" r:id="rId6"/>
+    <p:sldId id="260" r:id="rId7"/>
+    <p:sldId id="261" r:id="rId8"/>
+    <p:sldId id="262" r:id="rId9"/>
+    <p:sldId id="264" r:id="rId10"/>
   </p:sldIdLst>
   <p:sldSz cx="9144000" cy="5143500" type="screen16x9"/>
   <p:notesSz cx="6858000" cy="9144000"/>
   <p:embeddedFontLst>
     <p:embeddedFont>
       <p:font typeface="Lato" panose="020B0604020202020204" charset="0"/>
-      <p:regular r:id="rId11"/>
-      <p:bold r:id="rId12"/>
-      <p:italic r:id="rId13"/>
-      <p:boldItalic r:id="rId14"/>
+      <p:regular r:id="rId12"/>
+      <p:bold r:id="rId13"/>
+      <p:italic r:id="rId14"/>
+      <p:boldItalic r:id="rId15"/>
     </p:embeddedFont>
     <p:embeddedFont>
       <p:font typeface="Raleway" panose="020B0604020202020204" charset="0"/>
-      <p:regular r:id="rId15"/>
-      <p:bold r:id="rId16"/>
-      <p:italic r:id="rId17"/>
-      <p:boldItalic r:id="rId18"/>
+      <p:regular r:id="rId16"/>
+      <p:bold r:id="rId17"/>
+      <p:italic r:id="rId18"/>
+      <p:boldItalic r:id="rId19"/>
     </p:embeddedFont>
   </p:embeddedFontLst>
   <p:defaultTextStyle>
@@ -266,7 +267,7 @@
   </p:defaultTextStyle>
   <p:extLst>
     <p:ext uri="{EFAFB233-063F-42B5-8137-9DF3F51BA10A}">
-      <p15:sldGuideLst xmlns:p15="http://schemas.microsoft.com/office/powerpoint/2012/main" xmlns="">
+      <p15:sldGuideLst xmlns:p15="http://schemas.microsoft.com/office/powerpoint/2012/main">
         <p15:guide id="1" orient="horz" pos="1620">
           <p15:clr>
             <a:srgbClr val="A4A3A4"/>
@@ -11565,7 +11566,7 @@
           <p:cNvPr id="3" name="Text Placeholder 2">
             <a:extLst>
               <a:ext uri="{FF2B5EF4-FFF2-40B4-BE49-F238E27FC236}">
-                <a16:creationId xmlns:a16="http://schemas.microsoft.com/office/drawing/2014/main" xmlns="" id="{0155D1F7-0697-4F5F-92E4-3FE566166FD3}"/>
+                <a16:creationId xmlns:a16="http://schemas.microsoft.com/office/drawing/2014/main" id="{0155D1F7-0697-4F5F-92E4-3FE566166FD3}"/>
               </a:ext>
             </a:extLst>
           </p:cNvPr>
@@ -11581,7 +11582,7 @@
           <a:bodyPr/>
           <a:lstStyle/>
           <a:p>
-            <a:endParaRPr lang="en-US"/>
+            <a:endParaRPr lang="en-US" dirty="0"/>
           </a:p>
         </p:txBody>
       </p:sp>
@@ -11590,7 +11591,7 @@
           <p:cNvPr id="5" name="Text Placeholder 4">
             <a:extLst>
               <a:ext uri="{FF2B5EF4-FFF2-40B4-BE49-F238E27FC236}">
-                <a16:creationId xmlns:a16="http://schemas.microsoft.com/office/drawing/2014/main" xmlns="" id="{92AF040F-A456-4CFB-8989-BDA264639FDB}"/>
+                <a16:creationId xmlns:a16="http://schemas.microsoft.com/office/drawing/2014/main" id="{92AF040F-A456-4CFB-8989-BDA264639FDB}"/>
               </a:ext>
             </a:extLst>
           </p:cNvPr>
@@ -11608,8 +11609,11 @@
           <a:p>
             <a:r>
               <a:rPr lang="en-US" dirty="0"/>
-              <a:t>What is the main scientific question (or questions) that you are trying to answer? Be specific!</a:t>
+              <a:t>Can a National Park’s number of Visitors be predicted by its acreage, state-level poverty, public/private ownership, and fee structure?</a:t>
             </a:r>
+          </a:p>
+          <a:p>
+            <a:endParaRPr lang="en-US" dirty="0"/>
           </a:p>
         </p:txBody>
       </p:sp>
@@ -11643,7 +11647,7 @@
           <p:cNvPr id="2" name="Title 1">
             <a:extLst>
               <a:ext uri="{FF2B5EF4-FFF2-40B4-BE49-F238E27FC236}">
-                <a16:creationId xmlns:a16="http://schemas.microsoft.com/office/drawing/2014/main" xmlns="" id="{DC4D1CB5-2AC5-467E-8763-2A62CD0CFB6E}"/>
+                <a16:creationId xmlns:a16="http://schemas.microsoft.com/office/drawing/2014/main" id="{DC4D1CB5-2AC5-467E-8763-2A62CD0CFB6E}"/>
               </a:ext>
             </a:extLst>
           </p:cNvPr>
@@ -11671,7 +11675,7 @@
           <p:cNvPr id="3" name="Text Placeholder 2">
             <a:extLst>
               <a:ext uri="{FF2B5EF4-FFF2-40B4-BE49-F238E27FC236}">
-                <a16:creationId xmlns:a16="http://schemas.microsoft.com/office/drawing/2014/main" xmlns="" id="{48CCE442-8B3B-4F7A-9832-34510CFA81C9}"/>
+                <a16:creationId xmlns:a16="http://schemas.microsoft.com/office/drawing/2014/main" id="{48CCE442-8B3B-4F7A-9832-34510CFA81C9}"/>
               </a:ext>
             </a:extLst>
           </p:cNvPr>
@@ -11682,40 +11686,71 @@
             <p:ph type="body" idx="1"/>
           </p:nvPr>
         </p:nvSpPr>
-        <p:spPr/>
+        <p:spPr>
+          <a:xfrm>
+            <a:off x="729325" y="2078875"/>
+            <a:ext cx="3677398" cy="2261100"/>
+          </a:xfrm>
+        </p:spPr>
         <p:txBody>
           <a:bodyPr/>
           <a:lstStyle/>
           <a:p>
-            <a:endParaRPr lang="en-US"/>
+            <a:r>
+              <a:rPr lang="en-US" dirty="0"/>
+              <a:t>K-Means Clustering </a:t>
+            </a:r>
+          </a:p>
+          <a:p>
+            <a:r>
+              <a:rPr lang="en-US" dirty="0"/>
+              <a:t>Region, Acreage, Poverty, Month, Fees</a:t>
+            </a:r>
+          </a:p>
+          <a:p>
+            <a:r>
+              <a:rPr lang="en-US" dirty="0"/>
+              <a:t>Three Clusters</a:t>
+            </a:r>
+          </a:p>
+          <a:p>
+            <a:r>
+              <a:rPr lang="en-US" dirty="0"/>
+              <a:t>Resultant Clusters had distinct visitations and fees</a:t>
+            </a:r>
           </a:p>
         </p:txBody>
       </p:sp>
-      <p:sp>
-        <p:nvSpPr>
-          <p:cNvPr id="4" name="Text Placeholder 3">
+      <p:pic>
+        <p:nvPicPr>
+          <p:cNvPr id="6" name="Picture 5">
             <a:extLst>
               <a:ext uri="{FF2B5EF4-FFF2-40B4-BE49-F238E27FC236}">
-                <a16:creationId xmlns:a16="http://schemas.microsoft.com/office/drawing/2014/main" xmlns="" id="{8183FF7E-385C-4E7D-AF05-828445D7DCCB}"/>
+                <a16:creationId xmlns:a16="http://schemas.microsoft.com/office/drawing/2014/main" id="{6271F67C-1E1C-4FF6-8A31-604AD94A6734}"/>
               </a:ext>
             </a:extLst>
           </p:cNvPr>
-          <p:cNvSpPr>
-            <a:spLocks noGrp="1"/>
-          </p:cNvSpPr>
-          <p:nvPr>
-            <p:ph type="body" idx="2"/>
-          </p:nvPr>
-        </p:nvSpPr>
-        <p:spPr/>
-        <p:txBody>
-          <a:bodyPr/>
-          <a:lstStyle/>
-          <a:p>
-            <a:endParaRPr lang="en-US"/>
-          </a:p>
-        </p:txBody>
-      </p:sp>
+          <p:cNvPicPr>
+            <a:picLocks noChangeAspect="1"/>
+          </p:cNvPicPr>
+          <p:nvPr/>
+        </p:nvPicPr>
+        <p:blipFill>
+          <a:blip r:embed="rId2"/>
+          <a:stretch>
+            <a:fillRect/>
+          </a:stretch>
+        </p:blipFill>
+        <p:spPr>
+          <a:xfrm>
+            <a:off x="4406723" y="1771278"/>
+            <a:ext cx="4660660" cy="2876293"/>
+          </a:xfrm>
+          <a:prstGeom prst="rect">
+            <a:avLst/>
+          </a:prstGeom>
+        </p:spPr>
+      </p:pic>
     </p:spTree>
     <p:extLst>
       <p:ext uri="{BB962C8B-B14F-4D97-AF65-F5344CB8AC3E}">
@@ -11748,10 +11783,10 @@
       </p:grpSpPr>
       <p:sp>
         <p:nvSpPr>
-          <p:cNvPr id="2" name="Title 1">
+          <p:cNvPr id="7" name="Title 6">
             <a:extLst>
               <a:ext uri="{FF2B5EF4-FFF2-40B4-BE49-F238E27FC236}">
-                <a16:creationId xmlns:a16="http://schemas.microsoft.com/office/drawing/2014/main" xmlns="" id="{0B50D076-9C20-477F-BDD9-6D334FEB697B}"/>
+                <a16:creationId xmlns:a16="http://schemas.microsoft.com/office/drawing/2014/main" id="{FF02C2CE-6722-464F-B686-33ACB2A712F2}"/>
               </a:ext>
             </a:extLst>
           </p:cNvPr>
@@ -11762,38 +11797,10 @@
             <p:ph type="title"/>
           </p:nvPr>
         </p:nvSpPr>
-        <p:spPr/>
-        <p:txBody>
-          <a:bodyPr/>
-          <a:lstStyle/>
-          <a:p>
-            <a:r>
-              <a:rPr lang="en-US" dirty="0"/>
-              <a:t>Methodology</a:t>
-            </a:r>
-          </a:p>
-        </p:txBody>
-      </p:sp>
-      <p:sp>
-        <p:nvSpPr>
-          <p:cNvPr id="3" name="Text Placeholder 2">
-            <a:extLst>
-              <a:ext uri="{FF2B5EF4-FFF2-40B4-BE49-F238E27FC236}">
-                <a16:creationId xmlns:a16="http://schemas.microsoft.com/office/drawing/2014/main" xmlns="" id="{99E4E8A2-6A1A-40EB-B225-8C8E0164112E}"/>
-              </a:ext>
-            </a:extLst>
-          </p:cNvPr>
-          <p:cNvSpPr>
-            <a:spLocks noGrp="1"/>
-          </p:cNvSpPr>
-          <p:nvPr>
-            <p:ph type="body" idx="1"/>
-          </p:nvPr>
-        </p:nvSpPr>
         <p:spPr>
           <a:xfrm>
-            <a:off x="729325" y="2078874"/>
-            <a:ext cx="3774300" cy="2466999"/>
+            <a:off x="897896" y="1318650"/>
+            <a:ext cx="1245400" cy="535200"/>
           </a:xfrm>
         </p:spPr>
         <p:txBody>
@@ -11801,89 +11808,713 @@
           <a:lstStyle/>
           <a:p>
             <a:r>
-              <a:rPr lang="en-US" dirty="0" smtClean="0"/>
-              <a:t>MARS will be used to look at variable significance and develop a prediction model.</a:t>
+              <a:rPr lang="en-US" sz="1200" dirty="0"/>
+              <a:t>Cluster 1</a:t>
             </a:r>
-          </a:p>
-          <a:p>
-            <a:pPr lvl="1"/>
-            <a:r>
-              <a:rPr lang="en-US" dirty="0" smtClean="0"/>
-              <a:t>Supervisor: Number of Recreational Visits</a:t>
-            </a:r>
-          </a:p>
-          <a:p>
-            <a:pPr lvl="1"/>
-            <a:r>
-              <a:rPr lang="en-US" dirty="0" smtClean="0"/>
-              <a:t>Explanatory Variables: poverty index, month, year, park descriptives (region, park classification, size, age, % public area)</a:t>
-            </a:r>
-            <a:endParaRPr lang="en-US" dirty="0"/>
           </a:p>
         </p:txBody>
       </p:sp>
       <p:sp>
         <p:nvSpPr>
-          <p:cNvPr id="4" name="Text Placeholder 3">
+          <p:cNvPr id="10" name="Title 6">
             <a:extLst>
               <a:ext uri="{FF2B5EF4-FFF2-40B4-BE49-F238E27FC236}">
-                <a16:creationId xmlns:a16="http://schemas.microsoft.com/office/drawing/2014/main" xmlns="" id="{6FE07694-EFB4-4E0C-B1A5-50DE66BBF6EF}"/>
+                <a16:creationId xmlns:a16="http://schemas.microsoft.com/office/drawing/2014/main" id="{E1C92F52-A9FB-47A1-875D-EE15D844035E}"/>
               </a:ext>
             </a:extLst>
           </p:cNvPr>
-          <p:cNvSpPr>
-            <a:spLocks noGrp="1"/>
+          <p:cNvSpPr txBox="1">
+            <a:spLocks/>
           </p:cNvSpPr>
-          <p:nvPr>
-            <p:ph type="body" idx="2"/>
-          </p:nvPr>
+          <p:nvPr/>
         </p:nvSpPr>
-        <p:spPr/>
+        <p:spPr>
+          <a:xfrm>
+            <a:off x="3891750" y="1318650"/>
+            <a:ext cx="1245400" cy="535200"/>
+          </a:xfrm>
+          <a:prstGeom prst="rect">
+            <a:avLst/>
+          </a:prstGeom>
+          <a:noFill/>
+          <a:ln>
+            <a:noFill/>
+          </a:ln>
+        </p:spPr>
         <p:txBody>
-          <a:bodyPr/>
+          <a:bodyPr spcFirstLastPara="1" wrap="square" lIns="91425" tIns="91425" rIns="91425" bIns="91425" anchor="t" anchorCtr="0">
+            <a:noAutofit/>
+          </a:bodyPr>
+          <a:lstStyle>
+            <a:defPPr marR="0" lvl="0" algn="l" rtl="0">
+              <a:lnSpc>
+                <a:spcPct val="100000"/>
+              </a:lnSpc>
+              <a:spcBef>
+                <a:spcPts val="0"/>
+              </a:spcBef>
+              <a:spcAft>
+                <a:spcPts val="0"/>
+              </a:spcAft>
+            </a:defPPr>
+            <a:lvl1pPr marR="0" lvl="0" algn="l" rtl="0">
+              <a:lnSpc>
+                <a:spcPct val="100000"/>
+              </a:lnSpc>
+              <a:spcBef>
+                <a:spcPts val="0"/>
+              </a:spcBef>
+              <a:spcAft>
+                <a:spcPts val="0"/>
+              </a:spcAft>
+              <a:buClr>
+                <a:schemeClr val="dk2"/>
+              </a:buClr>
+              <a:buSzPts val="2600"/>
+              <a:buFont typeface="Raleway"/>
+              <a:buNone/>
+              <a:defRPr sz="2600" b="1" i="0" u="none" strike="noStrike" cap="none">
+                <a:solidFill>
+                  <a:schemeClr val="dk2"/>
+                </a:solidFill>
+                <a:latin typeface="Raleway"/>
+                <a:ea typeface="Raleway"/>
+                <a:cs typeface="Raleway"/>
+                <a:sym typeface="Raleway"/>
+              </a:defRPr>
+            </a:lvl1pPr>
+            <a:lvl2pPr marR="0" lvl="1" algn="l" rtl="0">
+              <a:lnSpc>
+                <a:spcPct val="100000"/>
+              </a:lnSpc>
+              <a:spcBef>
+                <a:spcPts val="0"/>
+              </a:spcBef>
+              <a:spcAft>
+                <a:spcPts val="0"/>
+              </a:spcAft>
+              <a:buClr>
+                <a:schemeClr val="dk2"/>
+              </a:buClr>
+              <a:buSzPts val="2600"/>
+              <a:buFont typeface="Raleway"/>
+              <a:buNone/>
+              <a:defRPr sz="2600" b="1" i="0" u="none" strike="noStrike" cap="none">
+                <a:solidFill>
+                  <a:schemeClr val="dk2"/>
+                </a:solidFill>
+                <a:latin typeface="Raleway"/>
+                <a:ea typeface="Raleway"/>
+                <a:cs typeface="Raleway"/>
+                <a:sym typeface="Raleway"/>
+              </a:defRPr>
+            </a:lvl2pPr>
+            <a:lvl3pPr marR="0" lvl="2" algn="l" rtl="0">
+              <a:lnSpc>
+                <a:spcPct val="100000"/>
+              </a:lnSpc>
+              <a:spcBef>
+                <a:spcPts val="0"/>
+              </a:spcBef>
+              <a:spcAft>
+                <a:spcPts val="0"/>
+              </a:spcAft>
+              <a:buClr>
+                <a:schemeClr val="dk2"/>
+              </a:buClr>
+              <a:buSzPts val="2600"/>
+              <a:buFont typeface="Raleway"/>
+              <a:buNone/>
+              <a:defRPr sz="2600" b="1" i="0" u="none" strike="noStrike" cap="none">
+                <a:solidFill>
+                  <a:schemeClr val="dk2"/>
+                </a:solidFill>
+                <a:latin typeface="Raleway"/>
+                <a:ea typeface="Raleway"/>
+                <a:cs typeface="Raleway"/>
+                <a:sym typeface="Raleway"/>
+              </a:defRPr>
+            </a:lvl3pPr>
+            <a:lvl4pPr marR="0" lvl="3" algn="l" rtl="0">
+              <a:lnSpc>
+                <a:spcPct val="100000"/>
+              </a:lnSpc>
+              <a:spcBef>
+                <a:spcPts val="0"/>
+              </a:spcBef>
+              <a:spcAft>
+                <a:spcPts val="0"/>
+              </a:spcAft>
+              <a:buClr>
+                <a:schemeClr val="dk2"/>
+              </a:buClr>
+              <a:buSzPts val="2600"/>
+              <a:buFont typeface="Raleway"/>
+              <a:buNone/>
+              <a:defRPr sz="2600" b="1" i="0" u="none" strike="noStrike" cap="none">
+                <a:solidFill>
+                  <a:schemeClr val="dk2"/>
+                </a:solidFill>
+                <a:latin typeface="Raleway"/>
+                <a:ea typeface="Raleway"/>
+                <a:cs typeface="Raleway"/>
+                <a:sym typeface="Raleway"/>
+              </a:defRPr>
+            </a:lvl4pPr>
+            <a:lvl5pPr marR="0" lvl="4" algn="l" rtl="0">
+              <a:lnSpc>
+                <a:spcPct val="100000"/>
+              </a:lnSpc>
+              <a:spcBef>
+                <a:spcPts val="0"/>
+              </a:spcBef>
+              <a:spcAft>
+                <a:spcPts val="0"/>
+              </a:spcAft>
+              <a:buClr>
+                <a:schemeClr val="dk2"/>
+              </a:buClr>
+              <a:buSzPts val="2600"/>
+              <a:buFont typeface="Raleway"/>
+              <a:buNone/>
+              <a:defRPr sz="2600" b="1" i="0" u="none" strike="noStrike" cap="none">
+                <a:solidFill>
+                  <a:schemeClr val="dk2"/>
+                </a:solidFill>
+                <a:latin typeface="Raleway"/>
+                <a:ea typeface="Raleway"/>
+                <a:cs typeface="Raleway"/>
+                <a:sym typeface="Raleway"/>
+              </a:defRPr>
+            </a:lvl5pPr>
+            <a:lvl6pPr marR="0" lvl="5" algn="l" rtl="0">
+              <a:lnSpc>
+                <a:spcPct val="100000"/>
+              </a:lnSpc>
+              <a:spcBef>
+                <a:spcPts val="0"/>
+              </a:spcBef>
+              <a:spcAft>
+                <a:spcPts val="0"/>
+              </a:spcAft>
+              <a:buClr>
+                <a:schemeClr val="dk2"/>
+              </a:buClr>
+              <a:buSzPts val="2600"/>
+              <a:buFont typeface="Raleway"/>
+              <a:buNone/>
+              <a:defRPr sz="2600" b="1" i="0" u="none" strike="noStrike" cap="none">
+                <a:solidFill>
+                  <a:schemeClr val="dk2"/>
+                </a:solidFill>
+                <a:latin typeface="Raleway"/>
+                <a:ea typeface="Raleway"/>
+                <a:cs typeface="Raleway"/>
+                <a:sym typeface="Raleway"/>
+              </a:defRPr>
+            </a:lvl6pPr>
+            <a:lvl7pPr marR="0" lvl="6" algn="l" rtl="0">
+              <a:lnSpc>
+                <a:spcPct val="100000"/>
+              </a:lnSpc>
+              <a:spcBef>
+                <a:spcPts val="0"/>
+              </a:spcBef>
+              <a:spcAft>
+                <a:spcPts val="0"/>
+              </a:spcAft>
+              <a:buClr>
+                <a:schemeClr val="dk2"/>
+              </a:buClr>
+              <a:buSzPts val="2600"/>
+              <a:buFont typeface="Raleway"/>
+              <a:buNone/>
+              <a:defRPr sz="2600" b="1" i="0" u="none" strike="noStrike" cap="none">
+                <a:solidFill>
+                  <a:schemeClr val="dk2"/>
+                </a:solidFill>
+                <a:latin typeface="Raleway"/>
+                <a:ea typeface="Raleway"/>
+                <a:cs typeface="Raleway"/>
+                <a:sym typeface="Raleway"/>
+              </a:defRPr>
+            </a:lvl7pPr>
+            <a:lvl8pPr marR="0" lvl="7" algn="l" rtl="0">
+              <a:lnSpc>
+                <a:spcPct val="100000"/>
+              </a:lnSpc>
+              <a:spcBef>
+                <a:spcPts val="0"/>
+              </a:spcBef>
+              <a:spcAft>
+                <a:spcPts val="0"/>
+              </a:spcAft>
+              <a:buClr>
+                <a:schemeClr val="dk2"/>
+              </a:buClr>
+              <a:buSzPts val="2600"/>
+              <a:buFont typeface="Raleway"/>
+              <a:buNone/>
+              <a:defRPr sz="2600" b="1" i="0" u="none" strike="noStrike" cap="none">
+                <a:solidFill>
+                  <a:schemeClr val="dk2"/>
+                </a:solidFill>
+                <a:latin typeface="Raleway"/>
+                <a:ea typeface="Raleway"/>
+                <a:cs typeface="Raleway"/>
+                <a:sym typeface="Raleway"/>
+              </a:defRPr>
+            </a:lvl8pPr>
+            <a:lvl9pPr marR="0" lvl="8" algn="l" rtl="0">
+              <a:lnSpc>
+                <a:spcPct val="100000"/>
+              </a:lnSpc>
+              <a:spcBef>
+                <a:spcPts val="0"/>
+              </a:spcBef>
+              <a:spcAft>
+                <a:spcPts val="0"/>
+              </a:spcAft>
+              <a:buClr>
+                <a:schemeClr val="dk2"/>
+              </a:buClr>
+              <a:buSzPts val="2600"/>
+              <a:buFont typeface="Raleway"/>
+              <a:buNone/>
+              <a:defRPr sz="2600" b="1" i="0" u="none" strike="noStrike" cap="none">
+                <a:solidFill>
+                  <a:schemeClr val="dk2"/>
+                </a:solidFill>
+                <a:latin typeface="Raleway"/>
+                <a:ea typeface="Raleway"/>
+                <a:cs typeface="Raleway"/>
+                <a:sym typeface="Raleway"/>
+              </a:defRPr>
+            </a:lvl9pPr>
+          </a:lstStyle>
+          <a:p>
+            <a:r>
+              <a:rPr lang="en-US" sz="1200" dirty="0"/>
+              <a:t>Cluster 2</a:t>
+            </a:r>
+          </a:p>
+        </p:txBody>
+      </p:sp>
+      <p:sp>
+        <p:nvSpPr>
+          <p:cNvPr id="12" name="Title 6">
+            <a:extLst>
+              <a:ext uri="{FF2B5EF4-FFF2-40B4-BE49-F238E27FC236}">
+                <a16:creationId xmlns:a16="http://schemas.microsoft.com/office/drawing/2014/main" id="{C375A826-A17C-4674-9B69-5495F3D22C01}"/>
+              </a:ext>
+            </a:extLst>
+          </p:cNvPr>
+          <p:cNvSpPr txBox="1">
+            <a:spLocks/>
+          </p:cNvSpPr>
+          <p:nvPr/>
+        </p:nvSpPr>
+        <p:spPr>
+          <a:xfrm>
+            <a:off x="6742900" y="1298875"/>
+            <a:ext cx="1245400" cy="535200"/>
+          </a:xfrm>
+          <a:prstGeom prst="rect">
+            <a:avLst/>
+          </a:prstGeom>
+          <a:noFill/>
+          <a:ln>
+            <a:noFill/>
+          </a:ln>
+        </p:spPr>
+        <p:txBody>
+          <a:bodyPr spcFirstLastPara="1" wrap="square" lIns="91425" tIns="91425" rIns="91425" bIns="91425" anchor="t" anchorCtr="0">
+            <a:noAutofit/>
+          </a:bodyPr>
+          <a:lstStyle>
+            <a:defPPr marR="0" lvl="0" algn="l" rtl="0">
+              <a:lnSpc>
+                <a:spcPct val="100000"/>
+              </a:lnSpc>
+              <a:spcBef>
+                <a:spcPts val="0"/>
+              </a:spcBef>
+              <a:spcAft>
+                <a:spcPts val="0"/>
+              </a:spcAft>
+            </a:defPPr>
+            <a:lvl1pPr marR="0" lvl="0" algn="l" rtl="0">
+              <a:lnSpc>
+                <a:spcPct val="100000"/>
+              </a:lnSpc>
+              <a:spcBef>
+                <a:spcPts val="0"/>
+              </a:spcBef>
+              <a:spcAft>
+                <a:spcPts val="0"/>
+              </a:spcAft>
+              <a:buClr>
+                <a:schemeClr val="dk2"/>
+              </a:buClr>
+              <a:buSzPts val="2600"/>
+              <a:buFont typeface="Raleway"/>
+              <a:buNone/>
+              <a:defRPr sz="2600" b="1" i="0" u="none" strike="noStrike" cap="none">
+                <a:solidFill>
+                  <a:schemeClr val="dk2"/>
+                </a:solidFill>
+                <a:latin typeface="Raleway"/>
+                <a:ea typeface="Raleway"/>
+                <a:cs typeface="Raleway"/>
+                <a:sym typeface="Raleway"/>
+              </a:defRPr>
+            </a:lvl1pPr>
+            <a:lvl2pPr marR="0" lvl="1" algn="l" rtl="0">
+              <a:lnSpc>
+                <a:spcPct val="100000"/>
+              </a:lnSpc>
+              <a:spcBef>
+                <a:spcPts val="0"/>
+              </a:spcBef>
+              <a:spcAft>
+                <a:spcPts val="0"/>
+              </a:spcAft>
+              <a:buClr>
+                <a:schemeClr val="dk2"/>
+              </a:buClr>
+              <a:buSzPts val="2600"/>
+              <a:buFont typeface="Raleway"/>
+              <a:buNone/>
+              <a:defRPr sz="2600" b="1" i="0" u="none" strike="noStrike" cap="none">
+                <a:solidFill>
+                  <a:schemeClr val="dk2"/>
+                </a:solidFill>
+                <a:latin typeface="Raleway"/>
+                <a:ea typeface="Raleway"/>
+                <a:cs typeface="Raleway"/>
+                <a:sym typeface="Raleway"/>
+              </a:defRPr>
+            </a:lvl2pPr>
+            <a:lvl3pPr marR="0" lvl="2" algn="l" rtl="0">
+              <a:lnSpc>
+                <a:spcPct val="100000"/>
+              </a:lnSpc>
+              <a:spcBef>
+                <a:spcPts val="0"/>
+              </a:spcBef>
+              <a:spcAft>
+                <a:spcPts val="0"/>
+              </a:spcAft>
+              <a:buClr>
+                <a:schemeClr val="dk2"/>
+              </a:buClr>
+              <a:buSzPts val="2600"/>
+              <a:buFont typeface="Raleway"/>
+              <a:buNone/>
+              <a:defRPr sz="2600" b="1" i="0" u="none" strike="noStrike" cap="none">
+                <a:solidFill>
+                  <a:schemeClr val="dk2"/>
+                </a:solidFill>
+                <a:latin typeface="Raleway"/>
+                <a:ea typeface="Raleway"/>
+                <a:cs typeface="Raleway"/>
+                <a:sym typeface="Raleway"/>
+              </a:defRPr>
+            </a:lvl3pPr>
+            <a:lvl4pPr marR="0" lvl="3" algn="l" rtl="0">
+              <a:lnSpc>
+                <a:spcPct val="100000"/>
+              </a:lnSpc>
+              <a:spcBef>
+                <a:spcPts val="0"/>
+              </a:spcBef>
+              <a:spcAft>
+                <a:spcPts val="0"/>
+              </a:spcAft>
+              <a:buClr>
+                <a:schemeClr val="dk2"/>
+              </a:buClr>
+              <a:buSzPts val="2600"/>
+              <a:buFont typeface="Raleway"/>
+              <a:buNone/>
+              <a:defRPr sz="2600" b="1" i="0" u="none" strike="noStrike" cap="none">
+                <a:solidFill>
+                  <a:schemeClr val="dk2"/>
+                </a:solidFill>
+                <a:latin typeface="Raleway"/>
+                <a:ea typeface="Raleway"/>
+                <a:cs typeface="Raleway"/>
+                <a:sym typeface="Raleway"/>
+              </a:defRPr>
+            </a:lvl4pPr>
+            <a:lvl5pPr marR="0" lvl="4" algn="l" rtl="0">
+              <a:lnSpc>
+                <a:spcPct val="100000"/>
+              </a:lnSpc>
+              <a:spcBef>
+                <a:spcPts val="0"/>
+              </a:spcBef>
+              <a:spcAft>
+                <a:spcPts val="0"/>
+              </a:spcAft>
+              <a:buClr>
+                <a:schemeClr val="dk2"/>
+              </a:buClr>
+              <a:buSzPts val="2600"/>
+              <a:buFont typeface="Raleway"/>
+              <a:buNone/>
+              <a:defRPr sz="2600" b="1" i="0" u="none" strike="noStrike" cap="none">
+                <a:solidFill>
+                  <a:schemeClr val="dk2"/>
+                </a:solidFill>
+                <a:latin typeface="Raleway"/>
+                <a:ea typeface="Raleway"/>
+                <a:cs typeface="Raleway"/>
+                <a:sym typeface="Raleway"/>
+              </a:defRPr>
+            </a:lvl5pPr>
+            <a:lvl6pPr marR="0" lvl="5" algn="l" rtl="0">
+              <a:lnSpc>
+                <a:spcPct val="100000"/>
+              </a:lnSpc>
+              <a:spcBef>
+                <a:spcPts val="0"/>
+              </a:spcBef>
+              <a:spcAft>
+                <a:spcPts val="0"/>
+              </a:spcAft>
+              <a:buClr>
+                <a:schemeClr val="dk2"/>
+              </a:buClr>
+              <a:buSzPts val="2600"/>
+              <a:buFont typeface="Raleway"/>
+              <a:buNone/>
+              <a:defRPr sz="2600" b="1" i="0" u="none" strike="noStrike" cap="none">
+                <a:solidFill>
+                  <a:schemeClr val="dk2"/>
+                </a:solidFill>
+                <a:latin typeface="Raleway"/>
+                <a:ea typeface="Raleway"/>
+                <a:cs typeface="Raleway"/>
+                <a:sym typeface="Raleway"/>
+              </a:defRPr>
+            </a:lvl6pPr>
+            <a:lvl7pPr marR="0" lvl="6" algn="l" rtl="0">
+              <a:lnSpc>
+                <a:spcPct val="100000"/>
+              </a:lnSpc>
+              <a:spcBef>
+                <a:spcPts val="0"/>
+              </a:spcBef>
+              <a:spcAft>
+                <a:spcPts val="0"/>
+              </a:spcAft>
+              <a:buClr>
+                <a:schemeClr val="dk2"/>
+              </a:buClr>
+              <a:buSzPts val="2600"/>
+              <a:buFont typeface="Raleway"/>
+              <a:buNone/>
+              <a:defRPr sz="2600" b="1" i="0" u="none" strike="noStrike" cap="none">
+                <a:solidFill>
+                  <a:schemeClr val="dk2"/>
+                </a:solidFill>
+                <a:latin typeface="Raleway"/>
+                <a:ea typeface="Raleway"/>
+                <a:cs typeface="Raleway"/>
+                <a:sym typeface="Raleway"/>
+              </a:defRPr>
+            </a:lvl7pPr>
+            <a:lvl8pPr marR="0" lvl="7" algn="l" rtl="0">
+              <a:lnSpc>
+                <a:spcPct val="100000"/>
+              </a:lnSpc>
+              <a:spcBef>
+                <a:spcPts val="0"/>
+              </a:spcBef>
+              <a:spcAft>
+                <a:spcPts val="0"/>
+              </a:spcAft>
+              <a:buClr>
+                <a:schemeClr val="dk2"/>
+              </a:buClr>
+              <a:buSzPts val="2600"/>
+              <a:buFont typeface="Raleway"/>
+              <a:buNone/>
+              <a:defRPr sz="2600" b="1" i="0" u="none" strike="noStrike" cap="none">
+                <a:solidFill>
+                  <a:schemeClr val="dk2"/>
+                </a:solidFill>
+                <a:latin typeface="Raleway"/>
+                <a:ea typeface="Raleway"/>
+                <a:cs typeface="Raleway"/>
+                <a:sym typeface="Raleway"/>
+              </a:defRPr>
+            </a:lvl8pPr>
+            <a:lvl9pPr marR="0" lvl="8" algn="l" rtl="0">
+              <a:lnSpc>
+                <a:spcPct val="100000"/>
+              </a:lnSpc>
+              <a:spcBef>
+                <a:spcPts val="0"/>
+              </a:spcBef>
+              <a:spcAft>
+                <a:spcPts val="0"/>
+              </a:spcAft>
+              <a:buClr>
+                <a:schemeClr val="dk2"/>
+              </a:buClr>
+              <a:buSzPts val="2600"/>
+              <a:buFont typeface="Raleway"/>
+              <a:buNone/>
+              <a:defRPr sz="2600" b="1" i="0" u="none" strike="noStrike" cap="none">
+                <a:solidFill>
+                  <a:schemeClr val="dk2"/>
+                </a:solidFill>
+                <a:latin typeface="Raleway"/>
+                <a:ea typeface="Raleway"/>
+                <a:cs typeface="Raleway"/>
+                <a:sym typeface="Raleway"/>
+              </a:defRPr>
+            </a:lvl9pPr>
+          </a:lstStyle>
+          <a:p>
+            <a:r>
+              <a:rPr lang="en-US" sz="1200" dirty="0"/>
+              <a:t>Cluster 3 </a:t>
+            </a:r>
+          </a:p>
+        </p:txBody>
+      </p:sp>
+      <p:pic>
+        <p:nvPicPr>
+          <p:cNvPr id="13" name="Picture 12">
+            <a:extLst>
+              <a:ext uri="{FF2B5EF4-FFF2-40B4-BE49-F238E27FC236}">
+                <a16:creationId xmlns:a16="http://schemas.microsoft.com/office/drawing/2014/main" id="{D14ED9B9-9D5D-46EB-938C-A99BE7D668EB}"/>
+              </a:ext>
+            </a:extLst>
+          </p:cNvPr>
+          <p:cNvPicPr>
+            <a:picLocks noChangeAspect="1"/>
+          </p:cNvPicPr>
+          <p:nvPr/>
+        </p:nvPicPr>
+        <p:blipFill>
+          <a:blip r:embed="rId2"/>
+          <a:stretch>
+            <a:fillRect/>
+          </a:stretch>
+        </p:blipFill>
+        <p:spPr>
+          <a:xfrm>
+            <a:off x="366378" y="1586250"/>
+            <a:ext cx="2308437" cy="3384550"/>
+          </a:xfrm>
+          <a:prstGeom prst="rect">
+            <a:avLst/>
+          </a:prstGeom>
+        </p:spPr>
+      </p:pic>
+      <p:pic>
+        <p:nvPicPr>
+          <p:cNvPr id="14" name="Picture 13">
+            <a:extLst>
+              <a:ext uri="{FF2B5EF4-FFF2-40B4-BE49-F238E27FC236}">
+                <a16:creationId xmlns:a16="http://schemas.microsoft.com/office/drawing/2014/main" id="{B412164F-59F7-42D8-93F2-0EBD667E6CFC}"/>
+              </a:ext>
+            </a:extLst>
+          </p:cNvPr>
+          <p:cNvPicPr>
+            <a:picLocks noChangeAspect="1"/>
+          </p:cNvPicPr>
+          <p:nvPr/>
+        </p:nvPicPr>
+        <p:blipFill>
+          <a:blip r:embed="rId3"/>
+          <a:stretch>
+            <a:fillRect/>
+          </a:stretch>
+        </p:blipFill>
+        <p:spPr>
+          <a:xfrm>
+            <a:off x="3391478" y="1586250"/>
+            <a:ext cx="2361043" cy="3384550"/>
+          </a:xfrm>
+          <a:prstGeom prst="rect">
+            <a:avLst/>
+          </a:prstGeom>
+        </p:spPr>
+      </p:pic>
+      <p:pic>
+        <p:nvPicPr>
+          <p:cNvPr id="16" name="Picture 15">
+            <a:extLst>
+              <a:ext uri="{FF2B5EF4-FFF2-40B4-BE49-F238E27FC236}">
+                <a16:creationId xmlns:a16="http://schemas.microsoft.com/office/drawing/2014/main" id="{A59C2AAA-E27F-4590-88B8-7C63FC622CC3}"/>
+              </a:ext>
+            </a:extLst>
+          </p:cNvPr>
+          <p:cNvPicPr>
+            <a:picLocks noChangeAspect="1"/>
+          </p:cNvPicPr>
+          <p:nvPr/>
+        </p:nvPicPr>
+        <p:blipFill>
+          <a:blip r:embed="rId4"/>
+          <a:stretch>
+            <a:fillRect/>
+          </a:stretch>
+        </p:blipFill>
+        <p:spPr>
+          <a:xfrm>
+            <a:off x="6012238" y="1566475"/>
+            <a:ext cx="2333772" cy="3384550"/>
+          </a:xfrm>
+          <a:prstGeom prst="rect">
+            <a:avLst/>
+          </a:prstGeom>
+        </p:spPr>
+      </p:pic>
+      <p:sp>
+        <p:nvSpPr>
+          <p:cNvPr id="17" name="TextBox 16">
+            <a:extLst>
+              <a:ext uri="{FF2B5EF4-FFF2-40B4-BE49-F238E27FC236}">
+                <a16:creationId xmlns:a16="http://schemas.microsoft.com/office/drawing/2014/main" id="{E17B01C6-C320-4E45-8B6B-3E78C32ECC86}"/>
+              </a:ext>
+            </a:extLst>
+          </p:cNvPr>
+          <p:cNvSpPr txBox="1"/>
+          <p:nvPr/>
+        </p:nvSpPr>
+        <p:spPr>
+          <a:xfrm>
+            <a:off x="1917700" y="615230"/>
+            <a:ext cx="6623050" cy="523220"/>
+          </a:xfrm>
+          <a:prstGeom prst="rect">
+            <a:avLst/>
+          </a:prstGeom>
+          <a:noFill/>
+        </p:spPr>
+        <p:txBody>
+          <a:bodyPr wrap="square" rtlCol="0">
+            <a:spAutoFit/>
+          </a:bodyPr>
           <a:lstStyle/>
           <a:p>
             <a:r>
-              <a:rPr lang="en-US" dirty="0" smtClean="0"/>
-              <a:t>Tuning parameters will be 1-3 degrees and 10-50 knots.</a:t>
+              <a:rPr lang="en-US" sz="2800" dirty="0"/>
+              <a:t>Summary Statistics for Clusters</a:t>
             </a:r>
-          </a:p>
-          <a:p>
-            <a:endParaRPr lang="en-US" dirty="0"/>
-          </a:p>
-          <a:p>
-            <a:endParaRPr lang="en-US" dirty="0" smtClean="0"/>
-          </a:p>
-          <a:p>
-            <a:pPr marL="146050" indent="0">
-              <a:buNone/>
-            </a:pPr>
-            <a:r>
-              <a:rPr lang="en-US" dirty="0" smtClean="0"/>
-              <a:t> </a:t>
-            </a:r>
-          </a:p>
-          <a:p>
-            <a:r>
-              <a:rPr lang="en-US" dirty="0" smtClean="0"/>
-              <a:t>Variable Importance will be shown using the </a:t>
-            </a:r>
-            <a:r>
-              <a:rPr lang="en-US" dirty="0" err="1" smtClean="0"/>
-              <a:t>vip</a:t>
-            </a:r>
-            <a:r>
-              <a:rPr lang="en-US" dirty="0" smtClean="0"/>
-              <a:t> graphing function</a:t>
-            </a:r>
-            <a:endParaRPr lang="en-US" dirty="0"/>
           </a:p>
         </p:txBody>
       </p:sp>
     </p:spTree>
     <p:extLst>
       <p:ext uri="{BB962C8B-B14F-4D97-AF65-F5344CB8AC3E}">
-        <p14:creationId xmlns:p14="http://schemas.microsoft.com/office/powerpoint/2010/main" val="3615959363"/>
+        <p14:creationId xmlns:p14="http://schemas.microsoft.com/office/powerpoint/2010/main" val="44824412"/>
       </p:ext>
     </p:extLst>
   </p:cSld>
@@ -11915,7 +12546,7 @@
           <p:cNvPr id="2" name="Title 1">
             <a:extLst>
               <a:ext uri="{FF2B5EF4-FFF2-40B4-BE49-F238E27FC236}">
-                <a16:creationId xmlns:a16="http://schemas.microsoft.com/office/drawing/2014/main" xmlns="" id="{9C5BEC88-7864-4F8E-B0D9-3F77FC77DCFD}"/>
+                <a16:creationId xmlns:a16="http://schemas.microsoft.com/office/drawing/2014/main" id="{0B50D076-9C20-477F-BDD9-6D334FEB697B}"/>
               </a:ext>
             </a:extLst>
           </p:cNvPr>
@@ -11933,7 +12564,7 @@
           <a:p>
             <a:r>
               <a:rPr lang="en-US" dirty="0"/>
-              <a:t>Methodology (cont.)</a:t>
+              <a:t>Methodology</a:t>
             </a:r>
           </a:p>
         </p:txBody>
@@ -11943,7 +12574,7 @@
           <p:cNvPr id="3" name="Text Placeholder 2">
             <a:extLst>
               <a:ext uri="{FF2B5EF4-FFF2-40B4-BE49-F238E27FC236}">
-                <a16:creationId xmlns:a16="http://schemas.microsoft.com/office/drawing/2014/main" xmlns="" id="{CFC2824E-46D2-466B-8F9C-81DA2458B0ED}"/>
+                <a16:creationId xmlns:a16="http://schemas.microsoft.com/office/drawing/2014/main" id="{99E4E8A2-6A1A-40EB-B225-8C8E0164112E}"/>
               </a:ext>
             </a:extLst>
           </p:cNvPr>
@@ -11954,35 +12585,33 @@
             <p:ph type="body" idx="1"/>
           </p:nvPr>
         </p:nvSpPr>
-        <p:spPr/>
+        <p:spPr>
+          <a:xfrm>
+            <a:off x="729325" y="2078874"/>
+            <a:ext cx="3774300" cy="2466999"/>
+          </a:xfrm>
+        </p:spPr>
         <p:txBody>
           <a:bodyPr/>
           <a:lstStyle/>
           <a:p>
             <a:r>
-              <a:rPr lang="en-US" dirty="0" smtClean="0"/>
-              <a:t>Training data</a:t>
+              <a:rPr lang="en-US" dirty="0"/>
+              <a:t>MARS will be used to look at variable significance and develop a prediction model.</a:t>
             </a:r>
           </a:p>
           <a:p>
             <a:pPr lvl="1"/>
             <a:r>
-              <a:rPr lang="en-US" dirty="0" smtClean="0"/>
-              <a:t>1995 – 2015</a:t>
+              <a:rPr lang="en-US" dirty="0"/>
+              <a:t>Supervisor: Number of Recreational Visits</a:t>
             </a:r>
           </a:p>
           <a:p>
             <a:pPr lvl="1"/>
             <a:r>
-              <a:rPr lang="en-US" dirty="0" smtClean="0"/>
-              <a:t>Used to try different models and select the best one to be used with the test data.</a:t>
-            </a:r>
-          </a:p>
-          <a:p>
-            <a:pPr lvl="1"/>
-            <a:r>
-              <a:rPr lang="en-US" dirty="0" smtClean="0"/>
-              <a:t>Will help assess variable importance in the chosen model.	</a:t>
+              <a:rPr lang="en-US" dirty="0"/>
+              <a:t>Explanatory Variables: poverty index, month, year, park descriptives (region, park classification, size, age, % public area)</a:t>
             </a:r>
           </a:p>
         </p:txBody>
@@ -11992,7 +12621,7 @@
           <p:cNvPr id="4" name="Text Placeholder 3">
             <a:extLst>
               <a:ext uri="{FF2B5EF4-FFF2-40B4-BE49-F238E27FC236}">
-                <a16:creationId xmlns:a16="http://schemas.microsoft.com/office/drawing/2014/main" xmlns="" id="{61099D9A-ECFA-4E7E-8C15-C7F98EE02E6B}"/>
+                <a16:creationId xmlns:a16="http://schemas.microsoft.com/office/drawing/2014/main" id="{6FE07694-EFB4-4E0C-B1A5-50DE66BBF6EF}"/>
               </a:ext>
             </a:extLst>
           </p:cNvPr>
@@ -12009,38 +12638,45 @@
           <a:lstStyle/>
           <a:p>
             <a:r>
-              <a:rPr lang="en-US" dirty="0" smtClean="0"/>
-              <a:t>Test Data</a:t>
+              <a:rPr lang="en-US" dirty="0"/>
+              <a:t>Tuning parameters will be 1-3 degrees and 10-50 knots.</a:t>
             </a:r>
           </a:p>
           <a:p>
-            <a:pPr lvl="1"/>
+            <a:endParaRPr lang="en-US" dirty="0"/>
+          </a:p>
+          <a:p>
+            <a:endParaRPr lang="en-US" dirty="0"/>
+          </a:p>
+          <a:p>
+            <a:pPr marL="146050" indent="0">
+              <a:buNone/>
+            </a:pPr>
             <a:r>
-              <a:rPr lang="en-US" dirty="0" smtClean="0"/>
-              <a:t>2016 – 2019</a:t>
+              <a:rPr lang="en-US" dirty="0"/>
+              <a:t> </a:t>
             </a:r>
           </a:p>
           <a:p>
-            <a:pPr lvl="1"/>
             <a:r>
-              <a:rPr lang="en-US" dirty="0" smtClean="0"/>
-              <a:t>Used mainly for predictions of visitation.</a:t>
+              <a:rPr lang="en-US" dirty="0"/>
+              <a:t>Variable Importance will be shown using the </a:t>
             </a:r>
-          </a:p>
-          <a:p>
-            <a:pPr lvl="1"/>
             <a:r>
-              <a:rPr lang="en-US" dirty="0" smtClean="0"/>
-              <a:t>Used to assess test error based off of model predictions</a:t>
+              <a:rPr lang="en-US" dirty="0" err="1"/>
+              <a:t>vip</a:t>
             </a:r>
-            <a:endParaRPr lang="en-US" dirty="0"/>
+            <a:r>
+              <a:rPr lang="en-US" dirty="0"/>
+              <a:t> graphing function</a:t>
+            </a:r>
           </a:p>
         </p:txBody>
       </p:sp>
     </p:spTree>
     <p:extLst>
       <p:ext uri="{BB962C8B-B14F-4D97-AF65-F5344CB8AC3E}">
-        <p14:creationId xmlns:p14="http://schemas.microsoft.com/office/powerpoint/2010/main" val="1560365759"/>
+        <p14:creationId xmlns:p14="http://schemas.microsoft.com/office/powerpoint/2010/main" val="3615959363"/>
       </p:ext>
     </p:extLst>
   </p:cSld>
@@ -12072,7 +12708,163 @@
           <p:cNvPr id="2" name="Title 1">
             <a:extLst>
               <a:ext uri="{FF2B5EF4-FFF2-40B4-BE49-F238E27FC236}">
-                <a16:creationId xmlns:a16="http://schemas.microsoft.com/office/drawing/2014/main" xmlns="" id="{DC09D0F8-1DAC-43BA-B04E-A9B1DB8DB149}"/>
+                <a16:creationId xmlns:a16="http://schemas.microsoft.com/office/drawing/2014/main" id="{9C5BEC88-7864-4F8E-B0D9-3F77FC77DCFD}"/>
+              </a:ext>
+            </a:extLst>
+          </p:cNvPr>
+          <p:cNvSpPr>
+            <a:spLocks noGrp="1"/>
+          </p:cNvSpPr>
+          <p:nvPr>
+            <p:ph type="title"/>
+          </p:nvPr>
+        </p:nvSpPr>
+        <p:spPr/>
+        <p:txBody>
+          <a:bodyPr/>
+          <a:lstStyle/>
+          <a:p>
+            <a:r>
+              <a:rPr lang="en-US" dirty="0"/>
+              <a:t>Methodology (cont.)</a:t>
+            </a:r>
+          </a:p>
+        </p:txBody>
+      </p:sp>
+      <p:sp>
+        <p:nvSpPr>
+          <p:cNvPr id="3" name="Text Placeholder 2">
+            <a:extLst>
+              <a:ext uri="{FF2B5EF4-FFF2-40B4-BE49-F238E27FC236}">
+                <a16:creationId xmlns:a16="http://schemas.microsoft.com/office/drawing/2014/main" id="{CFC2824E-46D2-466B-8F9C-81DA2458B0ED}"/>
+              </a:ext>
+            </a:extLst>
+          </p:cNvPr>
+          <p:cNvSpPr>
+            <a:spLocks noGrp="1"/>
+          </p:cNvSpPr>
+          <p:nvPr>
+            <p:ph type="body" idx="1"/>
+          </p:nvPr>
+        </p:nvSpPr>
+        <p:spPr/>
+        <p:txBody>
+          <a:bodyPr/>
+          <a:lstStyle/>
+          <a:p>
+            <a:r>
+              <a:rPr lang="en-US" dirty="0"/>
+              <a:t>Training data</a:t>
+            </a:r>
+          </a:p>
+          <a:p>
+            <a:pPr lvl="1"/>
+            <a:r>
+              <a:rPr lang="en-US" dirty="0"/>
+              <a:t>1995 – 2015</a:t>
+            </a:r>
+          </a:p>
+          <a:p>
+            <a:pPr lvl="1"/>
+            <a:r>
+              <a:rPr lang="en-US" dirty="0"/>
+              <a:t>Used to try different models and select the best one to be used with the test data.</a:t>
+            </a:r>
+          </a:p>
+          <a:p>
+            <a:pPr lvl="1"/>
+            <a:r>
+              <a:rPr lang="en-US" dirty="0"/>
+              <a:t>Will help assess variable importance in the chosen model.	</a:t>
+            </a:r>
+          </a:p>
+        </p:txBody>
+      </p:sp>
+      <p:sp>
+        <p:nvSpPr>
+          <p:cNvPr id="4" name="Text Placeholder 3">
+            <a:extLst>
+              <a:ext uri="{FF2B5EF4-FFF2-40B4-BE49-F238E27FC236}">
+                <a16:creationId xmlns:a16="http://schemas.microsoft.com/office/drawing/2014/main" id="{61099D9A-ECFA-4E7E-8C15-C7F98EE02E6B}"/>
+              </a:ext>
+            </a:extLst>
+          </p:cNvPr>
+          <p:cNvSpPr>
+            <a:spLocks noGrp="1"/>
+          </p:cNvSpPr>
+          <p:nvPr>
+            <p:ph type="body" idx="2"/>
+          </p:nvPr>
+        </p:nvSpPr>
+        <p:spPr/>
+        <p:txBody>
+          <a:bodyPr/>
+          <a:lstStyle/>
+          <a:p>
+            <a:r>
+              <a:rPr lang="en-US" dirty="0"/>
+              <a:t>Test Data</a:t>
+            </a:r>
+          </a:p>
+          <a:p>
+            <a:pPr lvl="1"/>
+            <a:r>
+              <a:rPr lang="en-US" dirty="0"/>
+              <a:t>2016 – 2019</a:t>
+            </a:r>
+          </a:p>
+          <a:p>
+            <a:pPr lvl="1"/>
+            <a:r>
+              <a:rPr lang="en-US" dirty="0"/>
+              <a:t>Used mainly for predictions of visitation.</a:t>
+            </a:r>
+          </a:p>
+          <a:p>
+            <a:pPr lvl="1"/>
+            <a:r>
+              <a:rPr lang="en-US" dirty="0"/>
+              <a:t>Used to assess test error based off of model predictions</a:t>
+            </a:r>
+          </a:p>
+        </p:txBody>
+      </p:sp>
+    </p:spTree>
+    <p:extLst>
+      <p:ext uri="{BB962C8B-B14F-4D97-AF65-F5344CB8AC3E}">
+        <p14:creationId xmlns:p14="http://schemas.microsoft.com/office/powerpoint/2010/main" val="1560365759"/>
+      </p:ext>
+    </p:extLst>
+  </p:cSld>
+  <p:clrMapOvr>
+    <a:masterClrMapping/>
+  </p:clrMapOvr>
+</p:sld>
+</file>
+
+<file path=ppt/slides/slide8.xml><?xml version="1.0" encoding="utf-8"?>
+<p:sld xmlns:a="http://schemas.openxmlformats.org/drawingml/2006/main" xmlns:r="http://schemas.openxmlformats.org/officeDocument/2006/relationships" xmlns:p="http://schemas.openxmlformats.org/presentationml/2006/main">
+  <p:cSld>
+    <p:spTree>
+      <p:nvGrpSpPr>
+        <p:cNvPr id="1" name=""/>
+        <p:cNvGrpSpPr/>
+        <p:nvPr/>
+      </p:nvGrpSpPr>
+      <p:grpSpPr>
+        <a:xfrm>
+          <a:off x="0" y="0"/>
+          <a:ext cx="0" cy="0"/>
+          <a:chOff x="0" y="0"/>
+          <a:chExt cx="0" cy="0"/>
+        </a:xfrm>
+      </p:grpSpPr>
+      <p:sp>
+        <p:nvSpPr>
+          <p:cNvPr id="2" name="Title 1">
+            <a:extLst>
+              <a:ext uri="{FF2B5EF4-FFF2-40B4-BE49-F238E27FC236}">
+                <a16:creationId xmlns:a16="http://schemas.microsoft.com/office/drawing/2014/main" id="{DC09D0F8-1DAC-43BA-B04E-A9B1DB8DB149}"/>
               </a:ext>
             </a:extLst>
           </p:cNvPr>
@@ -12100,7 +12892,7 @@
           <p:cNvPr id="3" name="Text Placeholder 2">
             <a:extLst>
               <a:ext uri="{FF2B5EF4-FFF2-40B4-BE49-F238E27FC236}">
-                <a16:creationId xmlns:a16="http://schemas.microsoft.com/office/drawing/2014/main" xmlns="" id="{51A983B7-1228-4B6A-B1C3-3DA70F030999}"/>
+                <a16:creationId xmlns:a16="http://schemas.microsoft.com/office/drawing/2014/main" id="{51A983B7-1228-4B6A-B1C3-3DA70F030999}"/>
               </a:ext>
             </a:extLst>
           </p:cNvPr>
@@ -12133,7 +12925,7 @@
           <p:cNvPr id="8" name="Picture 7">
             <a:extLst>
               <a:ext uri="{FF2B5EF4-FFF2-40B4-BE49-F238E27FC236}">
-                <a16:creationId xmlns:a16="http://schemas.microsoft.com/office/drawing/2014/main" xmlns="" id="{A18019E9-83DF-4688-8ECA-FA4D70A37D94}"/>
+                <a16:creationId xmlns:a16="http://schemas.microsoft.com/office/drawing/2014/main" id="{A18019E9-83DF-4688-8ECA-FA4D70A37D94}"/>
               </a:ext>
             </a:extLst>
           </p:cNvPr>
@@ -12163,7 +12955,7 @@
           <p:cNvPr id="15" name="Picture 14">
             <a:extLst>
               <a:ext uri="{FF2B5EF4-FFF2-40B4-BE49-F238E27FC236}">
-                <a16:creationId xmlns:a16="http://schemas.microsoft.com/office/drawing/2014/main" xmlns="" id="{2D039A81-B75A-431D-8FFE-C94807C27A58}"/>
+                <a16:creationId xmlns:a16="http://schemas.microsoft.com/office/drawing/2014/main" id="{2D039A81-B75A-431D-8FFE-C94807C27A58}"/>
               </a:ext>
             </a:extLst>
           </p:cNvPr>
@@ -12193,7 +12985,7 @@
           <p:cNvPr id="16" name="Picture 15">
             <a:extLst>
               <a:ext uri="{FF2B5EF4-FFF2-40B4-BE49-F238E27FC236}">
-                <a16:creationId xmlns:a16="http://schemas.microsoft.com/office/drawing/2014/main" xmlns="" id="{4DFAFA67-8910-4B42-BE47-27214B20430D}"/>
+                <a16:creationId xmlns:a16="http://schemas.microsoft.com/office/drawing/2014/main" id="{4DFAFA67-8910-4B42-BE47-27214B20430D}"/>
               </a:ext>
             </a:extLst>
           </p:cNvPr>
@@ -12223,7 +13015,7 @@
           <p:cNvPr id="17" name="Picture 16">
             <a:extLst>
               <a:ext uri="{FF2B5EF4-FFF2-40B4-BE49-F238E27FC236}">
-                <a16:creationId xmlns:a16="http://schemas.microsoft.com/office/drawing/2014/main" xmlns="" id="{91378E66-9BE5-4F8A-91BF-A96035E23554}"/>
+                <a16:creationId xmlns:a16="http://schemas.microsoft.com/office/drawing/2014/main" id="{91378E66-9BE5-4F8A-91BF-A96035E23554}"/>
               </a:ext>
             </a:extLst>
           </p:cNvPr>
@@ -12253,7 +13045,7 @@
           <p:cNvPr id="19" name="Picture 18">
             <a:extLst>
               <a:ext uri="{FF2B5EF4-FFF2-40B4-BE49-F238E27FC236}">
-                <a16:creationId xmlns:a16="http://schemas.microsoft.com/office/drawing/2014/main" xmlns="" id="{2BB66E53-20D1-4E8C-9A42-0B36437BA8D9}"/>
+                <a16:creationId xmlns:a16="http://schemas.microsoft.com/office/drawing/2014/main" id="{2BB66E53-20D1-4E8C-9A42-0B36437BA8D9}"/>
               </a:ext>
             </a:extLst>
           </p:cNvPr>
@@ -12291,7 +13083,7 @@
 </p:sld>
 </file>
 
-<file path=ppt/slides/slide8.xml><?xml version="1.0" encoding="utf-8"?>
+<file path=ppt/slides/slide9.xml><?xml version="1.0" encoding="utf-8"?>
 <p:sld xmlns:a="http://schemas.openxmlformats.org/drawingml/2006/main" xmlns:r="http://schemas.openxmlformats.org/officeDocument/2006/relationships" xmlns:p="http://schemas.openxmlformats.org/presentationml/2006/main">
   <p:cSld>
     <p:spTree>
@@ -12313,7 +13105,7 @@
           <p:cNvPr id="2" name="Title 1">
             <a:extLst>
               <a:ext uri="{FF2B5EF4-FFF2-40B4-BE49-F238E27FC236}">
-                <a16:creationId xmlns:a16="http://schemas.microsoft.com/office/drawing/2014/main" xmlns="" id="{DC09D0F8-1DAC-43BA-B04E-A9B1DB8DB149}"/>
+                <a16:creationId xmlns:a16="http://schemas.microsoft.com/office/drawing/2014/main" id="{DC09D0F8-1DAC-43BA-B04E-A9B1DB8DB149}"/>
               </a:ext>
             </a:extLst>
           </p:cNvPr>
@@ -12341,7 +13133,7 @@
           <p:cNvPr id="3" name="Text Placeholder 2">
             <a:extLst>
               <a:ext uri="{FF2B5EF4-FFF2-40B4-BE49-F238E27FC236}">
-                <a16:creationId xmlns:a16="http://schemas.microsoft.com/office/drawing/2014/main" xmlns="" id="{51A983B7-1228-4B6A-B1C3-3DA70F030999}"/>
+                <a16:creationId xmlns:a16="http://schemas.microsoft.com/office/drawing/2014/main" id="{51A983B7-1228-4B6A-B1C3-3DA70F030999}"/>
               </a:ext>
             </a:extLst>
           </p:cNvPr>
@@ -12395,7 +13187,7 @@
           <p:cNvPr id="7" name="Picture 6">
             <a:extLst>
               <a:ext uri="{FF2B5EF4-FFF2-40B4-BE49-F238E27FC236}">
-                <a16:creationId xmlns:a16="http://schemas.microsoft.com/office/drawing/2014/main" xmlns="" id="{3FE0028D-694B-4468-9A71-FBCF0FCBC98B}"/>
+                <a16:creationId xmlns:a16="http://schemas.microsoft.com/office/drawing/2014/main" id="{3FE0028D-694B-4468-9A71-FBCF0FCBC98B}"/>
               </a:ext>
             </a:extLst>
           </p:cNvPr>

--- a/Presentations/Presentation03.pptx
+++ b/Presentations/Presentation03.pptx
@@ -10,8 +10,8 @@
   <p:sldIdLst>
     <p:sldId id="256" r:id="rId2"/>
     <p:sldId id="258" r:id="rId3"/>
-    <p:sldId id="259" r:id="rId4"/>
-    <p:sldId id="263" r:id="rId5"/>
+    <p:sldId id="263" r:id="rId4"/>
+    <p:sldId id="265" r:id="rId5"/>
     <p:sldId id="260" r:id="rId6"/>
     <p:sldId id="261" r:id="rId7"/>
     <p:sldId id="262" r:id="rId8"/>
@@ -1060,128 +1060,6 @@
       <p:sp>
         <p:nvSpPr>
           <p:cNvPr id="97" name="Google Shape;97;p3:notes"/>
-          <p:cNvSpPr txBox="1">
-            <a:spLocks noGrp="1"/>
-          </p:cNvSpPr>
-          <p:nvPr>
-            <p:ph type="body" idx="1"/>
-          </p:nvPr>
-        </p:nvSpPr>
-        <p:spPr>
-          <a:xfrm>
-            <a:off x="685800" y="4343400"/>
-            <a:ext cx="5486400" cy="4114800"/>
-          </a:xfrm>
-          <a:prstGeom prst="rect">
-            <a:avLst/>
-          </a:prstGeom>
-          <a:noFill/>
-          <a:ln>
-            <a:noFill/>
-          </a:ln>
-        </p:spPr>
-        <p:txBody>
-          <a:bodyPr spcFirstLastPara="1" wrap="square" lIns="91425" tIns="91425" rIns="91425" bIns="91425" anchor="t" anchorCtr="0">
-            <a:noAutofit/>
-          </a:bodyPr>
-          <a:lstStyle/>
-          <a:p>
-            <a:pPr marL="0" lvl="0" indent="0" algn="l" rtl="0">
-              <a:lnSpc>
-                <a:spcPct val="100000"/>
-              </a:lnSpc>
-              <a:spcBef>
-                <a:spcPts val="0"/>
-              </a:spcBef>
-              <a:spcAft>
-                <a:spcPts val="0"/>
-              </a:spcAft>
-              <a:buSzPts val="1100"/>
-              <a:buNone/>
-            </a:pPr>
-            <a:endParaRPr/>
-          </a:p>
-        </p:txBody>
-      </p:sp>
-    </p:spTree>
-  </p:cSld>
-  <p:clrMapOvr>
-    <a:masterClrMapping/>
-  </p:clrMapOvr>
-</p:notes>
-</file>
-
-<file path=ppt/notesSlides/notesSlide3.xml><?xml version="1.0" encoding="utf-8"?>
-<p:notes xmlns:a="http://schemas.openxmlformats.org/drawingml/2006/main" xmlns:r="http://schemas.openxmlformats.org/officeDocument/2006/relationships" xmlns:p="http://schemas.openxmlformats.org/presentationml/2006/main" showMasterSp="0" showMasterPhAnim="0">
-  <p:cSld>
-    <p:spTree>
-      <p:nvGrpSpPr>
-        <p:cNvPr id="1" name="Shape 102"/>
-        <p:cNvGrpSpPr/>
-        <p:nvPr/>
-      </p:nvGrpSpPr>
-      <p:grpSpPr>
-        <a:xfrm>
-          <a:off x="0" y="0"/>
-          <a:ext cx="0" cy="0"/>
-          <a:chOff x="0" y="0"/>
-          <a:chExt cx="0" cy="0"/>
-        </a:xfrm>
-      </p:grpSpPr>
-      <p:sp>
-        <p:nvSpPr>
-          <p:cNvPr id="103" name="Google Shape;103;p4:notes"/>
-          <p:cNvSpPr>
-            <a:spLocks noGrp="1" noRot="1" noChangeAspect="1"/>
-          </p:cNvSpPr>
-          <p:nvPr>
-            <p:ph type="sldImg" idx="2"/>
-          </p:nvPr>
-        </p:nvSpPr>
-        <p:spPr>
-          <a:xfrm>
-            <a:off x="381000" y="685800"/>
-            <a:ext cx="6096000" cy="3429000"/>
-          </a:xfrm>
-          <a:custGeom>
-            <a:avLst/>
-            <a:gdLst/>
-            <a:ahLst/>
-            <a:cxnLst/>
-            <a:rect l="l" t="t" r="r" b="b"/>
-            <a:pathLst>
-              <a:path w="120000" h="120000" extrusionOk="0">
-                <a:moveTo>
-                  <a:pt x="0" y="0"/>
-                </a:moveTo>
-                <a:lnTo>
-                  <a:pt x="120000" y="0"/>
-                </a:lnTo>
-                <a:lnTo>
-                  <a:pt x="120000" y="120000"/>
-                </a:lnTo>
-                <a:lnTo>
-                  <a:pt x="0" y="120000"/>
-                </a:lnTo>
-                <a:close/>
-              </a:path>
-            </a:pathLst>
-          </a:custGeom>
-          <a:noFill/>
-          <a:ln w="9525" cap="flat" cmpd="sng">
-            <a:solidFill>
-              <a:srgbClr val="000000"/>
-            </a:solidFill>
-            <a:prstDash val="solid"/>
-            <a:round/>
-            <a:headEnd type="none" w="sm" len="sm"/>
-            <a:tailEnd type="none" w="sm" len="sm"/>
-          </a:ln>
-        </p:spPr>
-      </p:sp>
-      <p:sp>
-        <p:nvSpPr>
-          <p:cNvPr id="104" name="Google Shape;104;p4:notes"/>
           <p:cNvSpPr txBox="1">
             <a:spLocks noGrp="1"/>
           </p:cNvSpPr>
@@ -11498,134 +11376,6 @@
   <p:cSld>
     <p:spTree>
       <p:nvGrpSpPr>
-        <p:cNvPr id="1" name="Shape 105"/>
-        <p:cNvGrpSpPr/>
-        <p:nvPr/>
-      </p:nvGrpSpPr>
-      <p:grpSpPr>
-        <a:xfrm>
-          <a:off x="0" y="0"/>
-          <a:ext cx="0" cy="0"/>
-          <a:chOff x="0" y="0"/>
-          <a:chExt cx="0" cy="0"/>
-        </a:xfrm>
-      </p:grpSpPr>
-      <p:sp>
-        <p:nvSpPr>
-          <p:cNvPr id="106" name="Google Shape;106;p16"/>
-          <p:cNvSpPr txBox="1">
-            <a:spLocks noGrp="1"/>
-          </p:cNvSpPr>
-          <p:nvPr>
-            <p:ph type="title"/>
-          </p:nvPr>
-        </p:nvSpPr>
-        <p:spPr>
-          <a:xfrm>
-            <a:off x="729450" y="1318650"/>
-            <a:ext cx="7688400" cy="535200"/>
-          </a:xfrm>
-          <a:prstGeom prst="rect">
-            <a:avLst/>
-          </a:prstGeom>
-          <a:noFill/>
-          <a:ln>
-            <a:noFill/>
-          </a:ln>
-        </p:spPr>
-        <p:txBody>
-          <a:bodyPr spcFirstLastPara="1" wrap="square" lIns="91425" tIns="91425" rIns="91425" bIns="91425" anchor="t" anchorCtr="0">
-            <a:noAutofit/>
-          </a:bodyPr>
-          <a:lstStyle/>
-          <a:p>
-            <a:pPr marL="0" lvl="0" indent="0" algn="l" rtl="0">
-              <a:lnSpc>
-                <a:spcPct val="100000"/>
-              </a:lnSpc>
-              <a:spcBef>
-                <a:spcPts val="0"/>
-              </a:spcBef>
-              <a:spcAft>
-                <a:spcPts val="0"/>
-              </a:spcAft>
-              <a:buSzPts val="2600"/>
-              <a:buNone/>
-            </a:pPr>
-            <a:r>
-              <a:rPr lang="en" sz="2000" dirty="0"/>
-              <a:t>Primary Research Question</a:t>
-            </a:r>
-            <a:endParaRPr sz="2000" dirty="0"/>
-          </a:p>
-        </p:txBody>
-      </p:sp>
-      <p:sp>
-        <p:nvSpPr>
-          <p:cNvPr id="3" name="Text Placeholder 2">
-            <a:extLst>
-              <a:ext uri="{FF2B5EF4-FFF2-40B4-BE49-F238E27FC236}">
-                <a16:creationId xmlns:a16="http://schemas.microsoft.com/office/drawing/2014/main" id="{0155D1F7-0697-4F5F-92E4-3FE566166FD3}"/>
-              </a:ext>
-            </a:extLst>
-          </p:cNvPr>
-          <p:cNvSpPr>
-            <a:spLocks noGrp="1"/>
-          </p:cNvSpPr>
-          <p:nvPr>
-            <p:ph type="body" idx="2"/>
-          </p:nvPr>
-        </p:nvSpPr>
-        <p:spPr/>
-        <p:txBody>
-          <a:bodyPr/>
-          <a:lstStyle/>
-          <a:p>
-            <a:endParaRPr lang="en-US"/>
-          </a:p>
-        </p:txBody>
-      </p:sp>
-      <p:sp>
-        <p:nvSpPr>
-          <p:cNvPr id="5" name="Text Placeholder 4">
-            <a:extLst>
-              <a:ext uri="{FF2B5EF4-FFF2-40B4-BE49-F238E27FC236}">
-                <a16:creationId xmlns:a16="http://schemas.microsoft.com/office/drawing/2014/main" id="{92AF040F-A456-4CFB-8989-BDA264639FDB}"/>
-              </a:ext>
-            </a:extLst>
-          </p:cNvPr>
-          <p:cNvSpPr>
-            <a:spLocks noGrp="1"/>
-          </p:cNvSpPr>
-          <p:nvPr>
-            <p:ph type="body" idx="1"/>
-          </p:nvPr>
-        </p:nvSpPr>
-        <p:spPr/>
-        <p:txBody>
-          <a:bodyPr/>
-          <a:lstStyle/>
-          <a:p>
-            <a:r>
-              <a:rPr lang="en-US" dirty="0"/>
-              <a:t>What is the main scientific question (or questions) that you are trying to answer? Be specific!</a:t>
-            </a:r>
-          </a:p>
-        </p:txBody>
-      </p:sp>
-    </p:spTree>
-  </p:cSld>
-  <p:clrMapOvr>
-    <a:masterClrMapping/>
-  </p:clrMapOvr>
-</p:sld>
-</file>
-
-<file path=ppt/slides/slide4.xml><?xml version="1.0" encoding="utf-8"?>
-<p:sld xmlns:a="http://schemas.openxmlformats.org/drawingml/2006/main" xmlns:r="http://schemas.openxmlformats.org/officeDocument/2006/relationships" xmlns:p="http://schemas.openxmlformats.org/presentationml/2006/main">
-  <p:cSld>
-    <p:spTree>
-      <p:nvGrpSpPr>
         <p:cNvPr id="1" name=""/>
         <p:cNvGrpSpPr/>
         <p:nvPr/>
@@ -11682,21 +11432,107 @@
             <p:ph type="body" idx="1"/>
           </p:nvPr>
         </p:nvSpPr>
-        <p:spPr/>
+        <p:spPr>
+          <a:xfrm>
+            <a:off x="729325" y="2078875"/>
+            <a:ext cx="3677398" cy="2261100"/>
+          </a:xfrm>
+        </p:spPr>
         <p:txBody>
           <a:bodyPr/>
           <a:lstStyle/>
           <a:p>
-            <a:endParaRPr lang="en-US"/>
+            <a:r>
+              <a:rPr lang="en-US" dirty="0"/>
+              <a:t>K-Means Clustering </a:t>
+            </a:r>
+          </a:p>
+          <a:p>
+            <a:r>
+              <a:rPr lang="en-US" dirty="0"/>
+              <a:t>Region, Acreage, Poverty, Month, Fees</a:t>
+            </a:r>
+          </a:p>
+          <a:p>
+            <a:r>
+              <a:rPr lang="en-US" dirty="0"/>
+              <a:t>Three Clusters</a:t>
+            </a:r>
+          </a:p>
+          <a:p>
+            <a:r>
+              <a:rPr lang="en-US" dirty="0"/>
+              <a:t>Resultant Clusters had distinct visitations and fees</a:t>
+            </a:r>
           </a:p>
         </p:txBody>
       </p:sp>
+      <p:pic>
+        <p:nvPicPr>
+          <p:cNvPr id="6" name="Picture 5">
+            <a:extLst>
+              <a:ext uri="{FF2B5EF4-FFF2-40B4-BE49-F238E27FC236}">
+                <a16:creationId xmlns:a16="http://schemas.microsoft.com/office/drawing/2014/main" id="{6271F67C-1E1C-4FF6-8A31-604AD94A6734}"/>
+              </a:ext>
+            </a:extLst>
+          </p:cNvPr>
+          <p:cNvPicPr>
+            <a:picLocks noChangeAspect="1"/>
+          </p:cNvPicPr>
+          <p:nvPr/>
+        </p:nvPicPr>
+        <p:blipFill>
+          <a:blip r:embed="rId2"/>
+          <a:stretch>
+            <a:fillRect/>
+          </a:stretch>
+        </p:blipFill>
+        <p:spPr>
+          <a:xfrm>
+            <a:off x="4406723" y="1771278"/>
+            <a:ext cx="4660660" cy="2876293"/>
+          </a:xfrm>
+          <a:prstGeom prst="rect">
+            <a:avLst/>
+          </a:prstGeom>
+        </p:spPr>
+      </p:pic>
+    </p:spTree>
+    <p:extLst>
+      <p:ext uri="{BB962C8B-B14F-4D97-AF65-F5344CB8AC3E}">
+        <p14:creationId xmlns:p14="http://schemas.microsoft.com/office/powerpoint/2010/main" val="2058888472"/>
+      </p:ext>
+    </p:extLst>
+  </p:cSld>
+  <p:clrMapOvr>
+    <a:masterClrMapping/>
+  </p:clrMapOvr>
+</p:sld>
+</file>
+
+<file path=ppt/slides/slide4.xml><?xml version="1.0" encoding="utf-8"?>
+<p:sld xmlns:a="http://schemas.openxmlformats.org/drawingml/2006/main" xmlns:r="http://schemas.openxmlformats.org/officeDocument/2006/relationships" xmlns:p="http://schemas.openxmlformats.org/presentationml/2006/main">
+  <p:cSld>
+    <p:spTree>
+      <p:nvGrpSpPr>
+        <p:cNvPr id="1" name=""/>
+        <p:cNvGrpSpPr/>
+        <p:nvPr/>
+      </p:nvGrpSpPr>
+      <p:grpSpPr>
+        <a:xfrm>
+          <a:off x="0" y="0"/>
+          <a:ext cx="0" cy="0"/>
+          <a:chOff x="0" y="0"/>
+          <a:chExt cx="0" cy="0"/>
+        </a:xfrm>
+      </p:grpSpPr>
       <p:sp>
         <p:nvSpPr>
-          <p:cNvPr id="4" name="Text Placeholder 3">
+          <p:cNvPr id="7" name="Title 6">
             <a:extLst>
               <a:ext uri="{FF2B5EF4-FFF2-40B4-BE49-F238E27FC236}">
-                <a16:creationId xmlns:a16="http://schemas.microsoft.com/office/drawing/2014/main" id="{8183FF7E-385C-4E7D-AF05-828445D7DCCB}"/>
+                <a16:creationId xmlns:a16="http://schemas.microsoft.com/office/drawing/2014/main" id="{FF02C2CE-6722-464F-B686-33ACB2A712F2}"/>
               </a:ext>
             </a:extLst>
           </p:cNvPr>
@@ -11704,22 +11540,821 @@
             <a:spLocks noGrp="1"/>
           </p:cNvSpPr>
           <p:nvPr>
-            <p:ph type="body" idx="2"/>
+            <p:ph type="title"/>
           </p:nvPr>
         </p:nvSpPr>
-        <p:spPr/>
+        <p:spPr>
+          <a:xfrm>
+            <a:off x="897896" y="1318650"/>
+            <a:ext cx="1245400" cy="535200"/>
+          </a:xfrm>
+        </p:spPr>
         <p:txBody>
           <a:bodyPr/>
           <a:lstStyle/>
           <a:p>
-            <a:endParaRPr lang="en-US"/>
+            <a:r>
+              <a:rPr lang="en-US" sz="1200" dirty="0"/>
+              <a:t>Cluster 1</a:t>
+            </a:r>
+          </a:p>
+        </p:txBody>
+      </p:sp>
+      <p:sp>
+        <p:nvSpPr>
+          <p:cNvPr id="10" name="Title 6">
+            <a:extLst>
+              <a:ext uri="{FF2B5EF4-FFF2-40B4-BE49-F238E27FC236}">
+                <a16:creationId xmlns:a16="http://schemas.microsoft.com/office/drawing/2014/main" id="{E1C92F52-A9FB-47A1-875D-EE15D844035E}"/>
+              </a:ext>
+            </a:extLst>
+          </p:cNvPr>
+          <p:cNvSpPr txBox="1">
+            <a:spLocks/>
+          </p:cNvSpPr>
+          <p:nvPr/>
+        </p:nvSpPr>
+        <p:spPr>
+          <a:xfrm>
+            <a:off x="3891750" y="1318650"/>
+            <a:ext cx="1245400" cy="535200"/>
+          </a:xfrm>
+          <a:prstGeom prst="rect">
+            <a:avLst/>
+          </a:prstGeom>
+          <a:noFill/>
+          <a:ln>
+            <a:noFill/>
+          </a:ln>
+        </p:spPr>
+        <p:txBody>
+          <a:bodyPr spcFirstLastPara="1" wrap="square" lIns="91425" tIns="91425" rIns="91425" bIns="91425" anchor="t" anchorCtr="0">
+            <a:noAutofit/>
+          </a:bodyPr>
+          <a:lstStyle>
+            <a:defPPr marR="0" lvl="0" algn="l" rtl="0">
+              <a:lnSpc>
+                <a:spcPct val="100000"/>
+              </a:lnSpc>
+              <a:spcBef>
+                <a:spcPts val="0"/>
+              </a:spcBef>
+              <a:spcAft>
+                <a:spcPts val="0"/>
+              </a:spcAft>
+            </a:defPPr>
+            <a:lvl1pPr marR="0" lvl="0" algn="l" rtl="0">
+              <a:lnSpc>
+                <a:spcPct val="100000"/>
+              </a:lnSpc>
+              <a:spcBef>
+                <a:spcPts val="0"/>
+              </a:spcBef>
+              <a:spcAft>
+                <a:spcPts val="0"/>
+              </a:spcAft>
+              <a:buClr>
+                <a:schemeClr val="dk2"/>
+              </a:buClr>
+              <a:buSzPts val="2600"/>
+              <a:buFont typeface="Raleway"/>
+              <a:buNone/>
+              <a:defRPr sz="2600" b="1" i="0" u="none" strike="noStrike" cap="none">
+                <a:solidFill>
+                  <a:schemeClr val="dk2"/>
+                </a:solidFill>
+                <a:latin typeface="Raleway"/>
+                <a:ea typeface="Raleway"/>
+                <a:cs typeface="Raleway"/>
+                <a:sym typeface="Raleway"/>
+              </a:defRPr>
+            </a:lvl1pPr>
+            <a:lvl2pPr marR="0" lvl="1" algn="l" rtl="0">
+              <a:lnSpc>
+                <a:spcPct val="100000"/>
+              </a:lnSpc>
+              <a:spcBef>
+                <a:spcPts val="0"/>
+              </a:spcBef>
+              <a:spcAft>
+                <a:spcPts val="0"/>
+              </a:spcAft>
+              <a:buClr>
+                <a:schemeClr val="dk2"/>
+              </a:buClr>
+              <a:buSzPts val="2600"/>
+              <a:buFont typeface="Raleway"/>
+              <a:buNone/>
+              <a:defRPr sz="2600" b="1" i="0" u="none" strike="noStrike" cap="none">
+                <a:solidFill>
+                  <a:schemeClr val="dk2"/>
+                </a:solidFill>
+                <a:latin typeface="Raleway"/>
+                <a:ea typeface="Raleway"/>
+                <a:cs typeface="Raleway"/>
+                <a:sym typeface="Raleway"/>
+              </a:defRPr>
+            </a:lvl2pPr>
+            <a:lvl3pPr marR="0" lvl="2" algn="l" rtl="0">
+              <a:lnSpc>
+                <a:spcPct val="100000"/>
+              </a:lnSpc>
+              <a:spcBef>
+                <a:spcPts val="0"/>
+              </a:spcBef>
+              <a:spcAft>
+                <a:spcPts val="0"/>
+              </a:spcAft>
+              <a:buClr>
+                <a:schemeClr val="dk2"/>
+              </a:buClr>
+              <a:buSzPts val="2600"/>
+              <a:buFont typeface="Raleway"/>
+              <a:buNone/>
+              <a:defRPr sz="2600" b="1" i="0" u="none" strike="noStrike" cap="none">
+                <a:solidFill>
+                  <a:schemeClr val="dk2"/>
+                </a:solidFill>
+                <a:latin typeface="Raleway"/>
+                <a:ea typeface="Raleway"/>
+                <a:cs typeface="Raleway"/>
+                <a:sym typeface="Raleway"/>
+              </a:defRPr>
+            </a:lvl3pPr>
+            <a:lvl4pPr marR="0" lvl="3" algn="l" rtl="0">
+              <a:lnSpc>
+                <a:spcPct val="100000"/>
+              </a:lnSpc>
+              <a:spcBef>
+                <a:spcPts val="0"/>
+              </a:spcBef>
+              <a:spcAft>
+                <a:spcPts val="0"/>
+              </a:spcAft>
+              <a:buClr>
+                <a:schemeClr val="dk2"/>
+              </a:buClr>
+              <a:buSzPts val="2600"/>
+              <a:buFont typeface="Raleway"/>
+              <a:buNone/>
+              <a:defRPr sz="2600" b="1" i="0" u="none" strike="noStrike" cap="none">
+                <a:solidFill>
+                  <a:schemeClr val="dk2"/>
+                </a:solidFill>
+                <a:latin typeface="Raleway"/>
+                <a:ea typeface="Raleway"/>
+                <a:cs typeface="Raleway"/>
+                <a:sym typeface="Raleway"/>
+              </a:defRPr>
+            </a:lvl4pPr>
+            <a:lvl5pPr marR="0" lvl="4" algn="l" rtl="0">
+              <a:lnSpc>
+                <a:spcPct val="100000"/>
+              </a:lnSpc>
+              <a:spcBef>
+                <a:spcPts val="0"/>
+              </a:spcBef>
+              <a:spcAft>
+                <a:spcPts val="0"/>
+              </a:spcAft>
+              <a:buClr>
+                <a:schemeClr val="dk2"/>
+              </a:buClr>
+              <a:buSzPts val="2600"/>
+              <a:buFont typeface="Raleway"/>
+              <a:buNone/>
+              <a:defRPr sz="2600" b="1" i="0" u="none" strike="noStrike" cap="none">
+                <a:solidFill>
+                  <a:schemeClr val="dk2"/>
+                </a:solidFill>
+                <a:latin typeface="Raleway"/>
+                <a:ea typeface="Raleway"/>
+                <a:cs typeface="Raleway"/>
+                <a:sym typeface="Raleway"/>
+              </a:defRPr>
+            </a:lvl5pPr>
+            <a:lvl6pPr marR="0" lvl="5" algn="l" rtl="0">
+              <a:lnSpc>
+                <a:spcPct val="100000"/>
+              </a:lnSpc>
+              <a:spcBef>
+                <a:spcPts val="0"/>
+              </a:spcBef>
+              <a:spcAft>
+                <a:spcPts val="0"/>
+              </a:spcAft>
+              <a:buClr>
+                <a:schemeClr val="dk2"/>
+              </a:buClr>
+              <a:buSzPts val="2600"/>
+              <a:buFont typeface="Raleway"/>
+              <a:buNone/>
+              <a:defRPr sz="2600" b="1" i="0" u="none" strike="noStrike" cap="none">
+                <a:solidFill>
+                  <a:schemeClr val="dk2"/>
+                </a:solidFill>
+                <a:latin typeface="Raleway"/>
+                <a:ea typeface="Raleway"/>
+                <a:cs typeface="Raleway"/>
+                <a:sym typeface="Raleway"/>
+              </a:defRPr>
+            </a:lvl6pPr>
+            <a:lvl7pPr marR="0" lvl="6" algn="l" rtl="0">
+              <a:lnSpc>
+                <a:spcPct val="100000"/>
+              </a:lnSpc>
+              <a:spcBef>
+                <a:spcPts val="0"/>
+              </a:spcBef>
+              <a:spcAft>
+                <a:spcPts val="0"/>
+              </a:spcAft>
+              <a:buClr>
+                <a:schemeClr val="dk2"/>
+              </a:buClr>
+              <a:buSzPts val="2600"/>
+              <a:buFont typeface="Raleway"/>
+              <a:buNone/>
+              <a:defRPr sz="2600" b="1" i="0" u="none" strike="noStrike" cap="none">
+                <a:solidFill>
+                  <a:schemeClr val="dk2"/>
+                </a:solidFill>
+                <a:latin typeface="Raleway"/>
+                <a:ea typeface="Raleway"/>
+                <a:cs typeface="Raleway"/>
+                <a:sym typeface="Raleway"/>
+              </a:defRPr>
+            </a:lvl7pPr>
+            <a:lvl8pPr marR="0" lvl="7" algn="l" rtl="0">
+              <a:lnSpc>
+                <a:spcPct val="100000"/>
+              </a:lnSpc>
+              <a:spcBef>
+                <a:spcPts val="0"/>
+              </a:spcBef>
+              <a:spcAft>
+                <a:spcPts val="0"/>
+              </a:spcAft>
+              <a:buClr>
+                <a:schemeClr val="dk2"/>
+              </a:buClr>
+              <a:buSzPts val="2600"/>
+              <a:buFont typeface="Raleway"/>
+              <a:buNone/>
+              <a:defRPr sz="2600" b="1" i="0" u="none" strike="noStrike" cap="none">
+                <a:solidFill>
+                  <a:schemeClr val="dk2"/>
+                </a:solidFill>
+                <a:latin typeface="Raleway"/>
+                <a:ea typeface="Raleway"/>
+                <a:cs typeface="Raleway"/>
+                <a:sym typeface="Raleway"/>
+              </a:defRPr>
+            </a:lvl8pPr>
+            <a:lvl9pPr marR="0" lvl="8" algn="l" rtl="0">
+              <a:lnSpc>
+                <a:spcPct val="100000"/>
+              </a:lnSpc>
+              <a:spcBef>
+                <a:spcPts val="0"/>
+              </a:spcBef>
+              <a:spcAft>
+                <a:spcPts val="0"/>
+              </a:spcAft>
+              <a:buClr>
+                <a:schemeClr val="dk2"/>
+              </a:buClr>
+              <a:buSzPts val="2600"/>
+              <a:buFont typeface="Raleway"/>
+              <a:buNone/>
+              <a:defRPr sz="2600" b="1" i="0" u="none" strike="noStrike" cap="none">
+                <a:solidFill>
+                  <a:schemeClr val="dk2"/>
+                </a:solidFill>
+                <a:latin typeface="Raleway"/>
+                <a:ea typeface="Raleway"/>
+                <a:cs typeface="Raleway"/>
+                <a:sym typeface="Raleway"/>
+              </a:defRPr>
+            </a:lvl9pPr>
+          </a:lstStyle>
+          <a:p>
+            <a:pPr marL="0" marR="0" lvl="0" indent="0" algn="l" defTabSz="914400" rtl="0" eaLnBrk="1" fontAlgn="auto" latinLnBrk="0" hangingPunct="1">
+              <a:lnSpc>
+                <a:spcPct val="100000"/>
+              </a:lnSpc>
+              <a:spcBef>
+                <a:spcPts val="0"/>
+              </a:spcBef>
+              <a:spcAft>
+                <a:spcPts val="0"/>
+              </a:spcAft>
+              <a:buClr>
+                <a:srgbClr val="1A1A1A"/>
+              </a:buClr>
+              <a:buSzPts val="2600"/>
+              <a:buFont typeface="Raleway"/>
+              <a:buNone/>
+              <a:tabLst/>
+              <a:defRPr/>
+            </a:pPr>
+            <a:r>
+              <a:rPr kumimoji="0" lang="en-US" sz="1200" b="1" i="0" u="none" strike="noStrike" kern="0" cap="none" spc="0" normalizeH="0" baseline="0" noProof="0" dirty="0">
+                <a:ln>
+                  <a:noFill/>
+                </a:ln>
+                <a:solidFill>
+                  <a:srgbClr val="1A1A1A"/>
+                </a:solidFill>
+                <a:effectLst/>
+                <a:uLnTx/>
+                <a:uFillTx/>
+                <a:latin typeface="Raleway"/>
+                <a:sym typeface="Raleway"/>
+              </a:rPr>
+              <a:t>Cluster 2</a:t>
+            </a:r>
+          </a:p>
+        </p:txBody>
+      </p:sp>
+      <p:sp>
+        <p:nvSpPr>
+          <p:cNvPr id="12" name="Title 6">
+            <a:extLst>
+              <a:ext uri="{FF2B5EF4-FFF2-40B4-BE49-F238E27FC236}">
+                <a16:creationId xmlns:a16="http://schemas.microsoft.com/office/drawing/2014/main" id="{C375A826-A17C-4674-9B69-5495F3D22C01}"/>
+              </a:ext>
+            </a:extLst>
+          </p:cNvPr>
+          <p:cNvSpPr txBox="1">
+            <a:spLocks/>
+          </p:cNvSpPr>
+          <p:nvPr/>
+        </p:nvSpPr>
+        <p:spPr>
+          <a:xfrm>
+            <a:off x="6742900" y="1298875"/>
+            <a:ext cx="1245400" cy="535200"/>
+          </a:xfrm>
+          <a:prstGeom prst="rect">
+            <a:avLst/>
+          </a:prstGeom>
+          <a:noFill/>
+          <a:ln>
+            <a:noFill/>
+          </a:ln>
+        </p:spPr>
+        <p:txBody>
+          <a:bodyPr spcFirstLastPara="1" wrap="square" lIns="91425" tIns="91425" rIns="91425" bIns="91425" anchor="t" anchorCtr="0">
+            <a:noAutofit/>
+          </a:bodyPr>
+          <a:lstStyle>
+            <a:defPPr marR="0" lvl="0" algn="l" rtl="0">
+              <a:lnSpc>
+                <a:spcPct val="100000"/>
+              </a:lnSpc>
+              <a:spcBef>
+                <a:spcPts val="0"/>
+              </a:spcBef>
+              <a:spcAft>
+                <a:spcPts val="0"/>
+              </a:spcAft>
+            </a:defPPr>
+            <a:lvl1pPr marR="0" lvl="0" algn="l" rtl="0">
+              <a:lnSpc>
+                <a:spcPct val="100000"/>
+              </a:lnSpc>
+              <a:spcBef>
+                <a:spcPts val="0"/>
+              </a:spcBef>
+              <a:spcAft>
+                <a:spcPts val="0"/>
+              </a:spcAft>
+              <a:buClr>
+                <a:schemeClr val="dk2"/>
+              </a:buClr>
+              <a:buSzPts val="2600"/>
+              <a:buFont typeface="Raleway"/>
+              <a:buNone/>
+              <a:defRPr sz="2600" b="1" i="0" u="none" strike="noStrike" cap="none">
+                <a:solidFill>
+                  <a:schemeClr val="dk2"/>
+                </a:solidFill>
+                <a:latin typeface="Raleway"/>
+                <a:ea typeface="Raleway"/>
+                <a:cs typeface="Raleway"/>
+                <a:sym typeface="Raleway"/>
+              </a:defRPr>
+            </a:lvl1pPr>
+            <a:lvl2pPr marR="0" lvl="1" algn="l" rtl="0">
+              <a:lnSpc>
+                <a:spcPct val="100000"/>
+              </a:lnSpc>
+              <a:spcBef>
+                <a:spcPts val="0"/>
+              </a:spcBef>
+              <a:spcAft>
+                <a:spcPts val="0"/>
+              </a:spcAft>
+              <a:buClr>
+                <a:schemeClr val="dk2"/>
+              </a:buClr>
+              <a:buSzPts val="2600"/>
+              <a:buFont typeface="Raleway"/>
+              <a:buNone/>
+              <a:defRPr sz="2600" b="1" i="0" u="none" strike="noStrike" cap="none">
+                <a:solidFill>
+                  <a:schemeClr val="dk2"/>
+                </a:solidFill>
+                <a:latin typeface="Raleway"/>
+                <a:ea typeface="Raleway"/>
+                <a:cs typeface="Raleway"/>
+                <a:sym typeface="Raleway"/>
+              </a:defRPr>
+            </a:lvl2pPr>
+            <a:lvl3pPr marR="0" lvl="2" algn="l" rtl="0">
+              <a:lnSpc>
+                <a:spcPct val="100000"/>
+              </a:lnSpc>
+              <a:spcBef>
+                <a:spcPts val="0"/>
+              </a:spcBef>
+              <a:spcAft>
+                <a:spcPts val="0"/>
+              </a:spcAft>
+              <a:buClr>
+                <a:schemeClr val="dk2"/>
+              </a:buClr>
+              <a:buSzPts val="2600"/>
+              <a:buFont typeface="Raleway"/>
+              <a:buNone/>
+              <a:defRPr sz="2600" b="1" i="0" u="none" strike="noStrike" cap="none">
+                <a:solidFill>
+                  <a:schemeClr val="dk2"/>
+                </a:solidFill>
+                <a:latin typeface="Raleway"/>
+                <a:ea typeface="Raleway"/>
+                <a:cs typeface="Raleway"/>
+                <a:sym typeface="Raleway"/>
+              </a:defRPr>
+            </a:lvl3pPr>
+            <a:lvl4pPr marR="0" lvl="3" algn="l" rtl="0">
+              <a:lnSpc>
+                <a:spcPct val="100000"/>
+              </a:lnSpc>
+              <a:spcBef>
+                <a:spcPts val="0"/>
+              </a:spcBef>
+              <a:spcAft>
+                <a:spcPts val="0"/>
+              </a:spcAft>
+              <a:buClr>
+                <a:schemeClr val="dk2"/>
+              </a:buClr>
+              <a:buSzPts val="2600"/>
+              <a:buFont typeface="Raleway"/>
+              <a:buNone/>
+              <a:defRPr sz="2600" b="1" i="0" u="none" strike="noStrike" cap="none">
+                <a:solidFill>
+                  <a:schemeClr val="dk2"/>
+                </a:solidFill>
+                <a:latin typeface="Raleway"/>
+                <a:ea typeface="Raleway"/>
+                <a:cs typeface="Raleway"/>
+                <a:sym typeface="Raleway"/>
+              </a:defRPr>
+            </a:lvl4pPr>
+            <a:lvl5pPr marR="0" lvl="4" algn="l" rtl="0">
+              <a:lnSpc>
+                <a:spcPct val="100000"/>
+              </a:lnSpc>
+              <a:spcBef>
+                <a:spcPts val="0"/>
+              </a:spcBef>
+              <a:spcAft>
+                <a:spcPts val="0"/>
+              </a:spcAft>
+              <a:buClr>
+                <a:schemeClr val="dk2"/>
+              </a:buClr>
+              <a:buSzPts val="2600"/>
+              <a:buFont typeface="Raleway"/>
+              <a:buNone/>
+              <a:defRPr sz="2600" b="1" i="0" u="none" strike="noStrike" cap="none">
+                <a:solidFill>
+                  <a:schemeClr val="dk2"/>
+                </a:solidFill>
+                <a:latin typeface="Raleway"/>
+                <a:ea typeface="Raleway"/>
+                <a:cs typeface="Raleway"/>
+                <a:sym typeface="Raleway"/>
+              </a:defRPr>
+            </a:lvl5pPr>
+            <a:lvl6pPr marR="0" lvl="5" algn="l" rtl="0">
+              <a:lnSpc>
+                <a:spcPct val="100000"/>
+              </a:lnSpc>
+              <a:spcBef>
+                <a:spcPts val="0"/>
+              </a:spcBef>
+              <a:spcAft>
+                <a:spcPts val="0"/>
+              </a:spcAft>
+              <a:buClr>
+                <a:schemeClr val="dk2"/>
+              </a:buClr>
+              <a:buSzPts val="2600"/>
+              <a:buFont typeface="Raleway"/>
+              <a:buNone/>
+              <a:defRPr sz="2600" b="1" i="0" u="none" strike="noStrike" cap="none">
+                <a:solidFill>
+                  <a:schemeClr val="dk2"/>
+                </a:solidFill>
+                <a:latin typeface="Raleway"/>
+                <a:ea typeface="Raleway"/>
+                <a:cs typeface="Raleway"/>
+                <a:sym typeface="Raleway"/>
+              </a:defRPr>
+            </a:lvl6pPr>
+            <a:lvl7pPr marR="0" lvl="6" algn="l" rtl="0">
+              <a:lnSpc>
+                <a:spcPct val="100000"/>
+              </a:lnSpc>
+              <a:spcBef>
+                <a:spcPts val="0"/>
+              </a:spcBef>
+              <a:spcAft>
+                <a:spcPts val="0"/>
+              </a:spcAft>
+              <a:buClr>
+                <a:schemeClr val="dk2"/>
+              </a:buClr>
+              <a:buSzPts val="2600"/>
+              <a:buFont typeface="Raleway"/>
+              <a:buNone/>
+              <a:defRPr sz="2600" b="1" i="0" u="none" strike="noStrike" cap="none">
+                <a:solidFill>
+                  <a:schemeClr val="dk2"/>
+                </a:solidFill>
+                <a:latin typeface="Raleway"/>
+                <a:ea typeface="Raleway"/>
+                <a:cs typeface="Raleway"/>
+                <a:sym typeface="Raleway"/>
+              </a:defRPr>
+            </a:lvl7pPr>
+            <a:lvl8pPr marR="0" lvl="7" algn="l" rtl="0">
+              <a:lnSpc>
+                <a:spcPct val="100000"/>
+              </a:lnSpc>
+              <a:spcBef>
+                <a:spcPts val="0"/>
+              </a:spcBef>
+              <a:spcAft>
+                <a:spcPts val="0"/>
+              </a:spcAft>
+              <a:buClr>
+                <a:schemeClr val="dk2"/>
+              </a:buClr>
+              <a:buSzPts val="2600"/>
+              <a:buFont typeface="Raleway"/>
+              <a:buNone/>
+              <a:defRPr sz="2600" b="1" i="0" u="none" strike="noStrike" cap="none">
+                <a:solidFill>
+                  <a:schemeClr val="dk2"/>
+                </a:solidFill>
+                <a:latin typeface="Raleway"/>
+                <a:ea typeface="Raleway"/>
+                <a:cs typeface="Raleway"/>
+                <a:sym typeface="Raleway"/>
+              </a:defRPr>
+            </a:lvl8pPr>
+            <a:lvl9pPr marR="0" lvl="8" algn="l" rtl="0">
+              <a:lnSpc>
+                <a:spcPct val="100000"/>
+              </a:lnSpc>
+              <a:spcBef>
+                <a:spcPts val="0"/>
+              </a:spcBef>
+              <a:spcAft>
+                <a:spcPts val="0"/>
+              </a:spcAft>
+              <a:buClr>
+                <a:schemeClr val="dk2"/>
+              </a:buClr>
+              <a:buSzPts val="2600"/>
+              <a:buFont typeface="Raleway"/>
+              <a:buNone/>
+              <a:defRPr sz="2600" b="1" i="0" u="none" strike="noStrike" cap="none">
+                <a:solidFill>
+                  <a:schemeClr val="dk2"/>
+                </a:solidFill>
+                <a:latin typeface="Raleway"/>
+                <a:ea typeface="Raleway"/>
+                <a:cs typeface="Raleway"/>
+                <a:sym typeface="Raleway"/>
+              </a:defRPr>
+            </a:lvl9pPr>
+          </a:lstStyle>
+          <a:p>
+            <a:pPr marL="0" marR="0" lvl="0" indent="0" algn="l" defTabSz="914400" rtl="0" eaLnBrk="1" fontAlgn="auto" latinLnBrk="0" hangingPunct="1">
+              <a:lnSpc>
+                <a:spcPct val="100000"/>
+              </a:lnSpc>
+              <a:spcBef>
+                <a:spcPts val="0"/>
+              </a:spcBef>
+              <a:spcAft>
+                <a:spcPts val="0"/>
+              </a:spcAft>
+              <a:buClr>
+                <a:srgbClr val="1A1A1A"/>
+              </a:buClr>
+              <a:buSzPts val="2600"/>
+              <a:buFont typeface="Raleway"/>
+              <a:buNone/>
+              <a:tabLst/>
+              <a:defRPr/>
+            </a:pPr>
+            <a:r>
+              <a:rPr kumimoji="0" lang="en-US" sz="1200" b="1" i="0" u="none" strike="noStrike" kern="0" cap="none" spc="0" normalizeH="0" baseline="0" noProof="0" dirty="0">
+                <a:ln>
+                  <a:noFill/>
+                </a:ln>
+                <a:solidFill>
+                  <a:srgbClr val="1A1A1A"/>
+                </a:solidFill>
+                <a:effectLst/>
+                <a:uLnTx/>
+                <a:uFillTx/>
+                <a:latin typeface="Raleway"/>
+                <a:sym typeface="Raleway"/>
+              </a:rPr>
+              <a:t>Cluster 3 </a:t>
+            </a:r>
+          </a:p>
+        </p:txBody>
+      </p:sp>
+      <p:pic>
+        <p:nvPicPr>
+          <p:cNvPr id="13" name="Picture 12">
+            <a:extLst>
+              <a:ext uri="{FF2B5EF4-FFF2-40B4-BE49-F238E27FC236}">
+                <a16:creationId xmlns:a16="http://schemas.microsoft.com/office/drawing/2014/main" id="{D14ED9B9-9D5D-46EB-938C-A99BE7D668EB}"/>
+              </a:ext>
+            </a:extLst>
+          </p:cNvPr>
+          <p:cNvPicPr>
+            <a:picLocks noChangeAspect="1"/>
+          </p:cNvPicPr>
+          <p:nvPr/>
+        </p:nvPicPr>
+        <p:blipFill>
+          <a:blip r:embed="rId2"/>
+          <a:stretch>
+            <a:fillRect/>
+          </a:stretch>
+        </p:blipFill>
+        <p:spPr>
+          <a:xfrm>
+            <a:off x="366378" y="1586250"/>
+            <a:ext cx="2308437" cy="3384550"/>
+          </a:xfrm>
+          <a:prstGeom prst="rect">
+            <a:avLst/>
+          </a:prstGeom>
+        </p:spPr>
+      </p:pic>
+      <p:pic>
+        <p:nvPicPr>
+          <p:cNvPr id="14" name="Picture 13">
+            <a:extLst>
+              <a:ext uri="{FF2B5EF4-FFF2-40B4-BE49-F238E27FC236}">
+                <a16:creationId xmlns:a16="http://schemas.microsoft.com/office/drawing/2014/main" id="{B412164F-59F7-42D8-93F2-0EBD667E6CFC}"/>
+              </a:ext>
+            </a:extLst>
+          </p:cNvPr>
+          <p:cNvPicPr>
+            <a:picLocks noChangeAspect="1"/>
+          </p:cNvPicPr>
+          <p:nvPr/>
+        </p:nvPicPr>
+        <p:blipFill>
+          <a:blip r:embed="rId3"/>
+          <a:stretch>
+            <a:fillRect/>
+          </a:stretch>
+        </p:blipFill>
+        <p:spPr>
+          <a:xfrm>
+            <a:off x="3391478" y="1586250"/>
+            <a:ext cx="2361043" cy="3384550"/>
+          </a:xfrm>
+          <a:prstGeom prst="rect">
+            <a:avLst/>
+          </a:prstGeom>
+        </p:spPr>
+      </p:pic>
+      <p:pic>
+        <p:nvPicPr>
+          <p:cNvPr id="16" name="Picture 15">
+            <a:extLst>
+              <a:ext uri="{FF2B5EF4-FFF2-40B4-BE49-F238E27FC236}">
+                <a16:creationId xmlns:a16="http://schemas.microsoft.com/office/drawing/2014/main" id="{A59C2AAA-E27F-4590-88B8-7C63FC622CC3}"/>
+              </a:ext>
+            </a:extLst>
+          </p:cNvPr>
+          <p:cNvPicPr>
+            <a:picLocks noChangeAspect="1"/>
+          </p:cNvPicPr>
+          <p:nvPr/>
+        </p:nvPicPr>
+        <p:blipFill>
+          <a:blip r:embed="rId4"/>
+          <a:stretch>
+            <a:fillRect/>
+          </a:stretch>
+        </p:blipFill>
+        <p:spPr>
+          <a:xfrm>
+            <a:off x="6012238" y="1566475"/>
+            <a:ext cx="2333772" cy="3384550"/>
+          </a:xfrm>
+          <a:prstGeom prst="rect">
+            <a:avLst/>
+          </a:prstGeom>
+        </p:spPr>
+      </p:pic>
+      <p:sp>
+        <p:nvSpPr>
+          <p:cNvPr id="17" name="TextBox 16">
+            <a:extLst>
+              <a:ext uri="{FF2B5EF4-FFF2-40B4-BE49-F238E27FC236}">
+                <a16:creationId xmlns:a16="http://schemas.microsoft.com/office/drawing/2014/main" id="{E17B01C6-C320-4E45-8B6B-3E78C32ECC86}"/>
+              </a:ext>
+            </a:extLst>
+          </p:cNvPr>
+          <p:cNvSpPr txBox="1"/>
+          <p:nvPr/>
+        </p:nvSpPr>
+        <p:spPr>
+          <a:xfrm>
+            <a:off x="1917700" y="615230"/>
+            <a:ext cx="6623050" cy="523220"/>
+          </a:xfrm>
+          <a:prstGeom prst="rect">
+            <a:avLst/>
+          </a:prstGeom>
+          <a:noFill/>
+        </p:spPr>
+        <p:txBody>
+          <a:bodyPr wrap="square" rtlCol="0">
+            <a:spAutoFit/>
+          </a:bodyPr>
+          <a:lstStyle/>
+          <a:p>
+            <a:pPr marL="0" marR="0" lvl="0" indent="0" algn="l" defTabSz="914400" rtl="0" eaLnBrk="1" fontAlgn="auto" latinLnBrk="0" hangingPunct="1">
+              <a:lnSpc>
+                <a:spcPct val="100000"/>
+              </a:lnSpc>
+              <a:spcBef>
+                <a:spcPts val="0"/>
+              </a:spcBef>
+              <a:spcAft>
+                <a:spcPts val="0"/>
+              </a:spcAft>
+              <a:buClr>
+                <a:srgbClr val="000000"/>
+              </a:buClr>
+              <a:buSzTx/>
+              <a:buFont typeface="Arial"/>
+              <a:buNone/>
+              <a:tabLst/>
+              <a:defRPr/>
+            </a:pPr>
+            <a:r>
+              <a:rPr kumimoji="0" lang="en-US" sz="2800" b="0" i="0" u="none" strike="noStrike" kern="0" cap="none" spc="0" normalizeH="0" baseline="0" noProof="0" dirty="0">
+                <a:ln>
+                  <a:noFill/>
+                </a:ln>
+                <a:solidFill>
+                  <a:srgbClr val="000000"/>
+                </a:solidFill>
+                <a:effectLst/>
+                <a:uLnTx/>
+                <a:uFillTx/>
+                <a:latin typeface="Arial"/>
+                <a:cs typeface="Arial"/>
+                <a:sym typeface="Arial"/>
+              </a:rPr>
+              <a:t>Summary Statistics for Clusters</a:t>
+            </a:r>
           </a:p>
         </p:txBody>
       </p:sp>
     </p:spTree>
     <p:extLst>
       <p:ext uri="{BB962C8B-B14F-4D97-AF65-F5344CB8AC3E}">
-        <p14:creationId xmlns:p14="http://schemas.microsoft.com/office/powerpoint/2010/main" val="2058888472"/>
+        <p14:creationId xmlns:p14="http://schemas.microsoft.com/office/powerpoint/2010/main" val="44824412"/>
       </p:ext>
     </p:extLst>
   </p:cSld>
